--- a/Write Up/model_figures.pptx
+++ b/Write Up/model_figures.pptx
@@ -105,6 +105,11 @@
       </a:defRPr>
     </a:lvl9pPr>
   </p:defaultTextStyle>
+  <p:extLst>
+    <p:ext uri="{EFAFB233-063F-42B5-8137-9DF3F51BA10A}">
+      <p15:sldGuideLst xmlns:p15="http://schemas.microsoft.com/office/powerpoint/2012/main"/>
+    </p:ext>
+  </p:extLst>
 </p:presentation>
 </file>
 
@@ -257,7 +262,7 @@
           <a:p>
             <a:fld id="{390A380A-7C2E-4CB6-8AB7-B70CA63B4A3B}" type="datetimeFigureOut">
               <a:rPr lang="en-GB" smtClean="0"/>
-              <a:t>07/02/2022</a:t>
+              <a:t>22/02/2022</a:t>
             </a:fld>
             <a:endParaRPr lang="en-GB"/>
           </a:p>
@@ -457,7 +462,7 @@
           <a:p>
             <a:fld id="{390A380A-7C2E-4CB6-8AB7-B70CA63B4A3B}" type="datetimeFigureOut">
               <a:rPr lang="en-GB" smtClean="0"/>
-              <a:t>07/02/2022</a:t>
+              <a:t>22/02/2022</a:t>
             </a:fld>
             <a:endParaRPr lang="en-GB"/>
           </a:p>
@@ -667,7 +672,7 @@
           <a:p>
             <a:fld id="{390A380A-7C2E-4CB6-8AB7-B70CA63B4A3B}" type="datetimeFigureOut">
               <a:rPr lang="en-GB" smtClean="0"/>
-              <a:t>07/02/2022</a:t>
+              <a:t>22/02/2022</a:t>
             </a:fld>
             <a:endParaRPr lang="en-GB"/>
           </a:p>
@@ -867,7 +872,7 @@
           <a:p>
             <a:fld id="{390A380A-7C2E-4CB6-8AB7-B70CA63B4A3B}" type="datetimeFigureOut">
               <a:rPr lang="en-GB" smtClean="0"/>
-              <a:t>07/02/2022</a:t>
+              <a:t>22/02/2022</a:t>
             </a:fld>
             <a:endParaRPr lang="en-GB"/>
           </a:p>
@@ -1143,7 +1148,7 @@
           <a:p>
             <a:fld id="{390A380A-7C2E-4CB6-8AB7-B70CA63B4A3B}" type="datetimeFigureOut">
               <a:rPr lang="en-GB" smtClean="0"/>
-              <a:t>07/02/2022</a:t>
+              <a:t>22/02/2022</a:t>
             </a:fld>
             <a:endParaRPr lang="en-GB"/>
           </a:p>
@@ -1411,7 +1416,7 @@
           <a:p>
             <a:fld id="{390A380A-7C2E-4CB6-8AB7-B70CA63B4A3B}" type="datetimeFigureOut">
               <a:rPr lang="en-GB" smtClean="0"/>
-              <a:t>07/02/2022</a:t>
+              <a:t>22/02/2022</a:t>
             </a:fld>
             <a:endParaRPr lang="en-GB"/>
           </a:p>
@@ -1826,7 +1831,7 @@
           <a:p>
             <a:fld id="{390A380A-7C2E-4CB6-8AB7-B70CA63B4A3B}" type="datetimeFigureOut">
               <a:rPr lang="en-GB" smtClean="0"/>
-              <a:t>07/02/2022</a:t>
+              <a:t>22/02/2022</a:t>
             </a:fld>
             <a:endParaRPr lang="en-GB"/>
           </a:p>
@@ -1968,7 +1973,7 @@
           <a:p>
             <a:fld id="{390A380A-7C2E-4CB6-8AB7-B70CA63B4A3B}" type="datetimeFigureOut">
               <a:rPr lang="en-GB" smtClean="0"/>
-              <a:t>07/02/2022</a:t>
+              <a:t>22/02/2022</a:t>
             </a:fld>
             <a:endParaRPr lang="en-GB"/>
           </a:p>
@@ -2081,7 +2086,7 @@
           <a:p>
             <a:fld id="{390A380A-7C2E-4CB6-8AB7-B70CA63B4A3B}" type="datetimeFigureOut">
               <a:rPr lang="en-GB" smtClean="0"/>
-              <a:t>07/02/2022</a:t>
+              <a:t>22/02/2022</a:t>
             </a:fld>
             <a:endParaRPr lang="en-GB"/>
           </a:p>
@@ -2394,7 +2399,7 @@
           <a:p>
             <a:fld id="{390A380A-7C2E-4CB6-8AB7-B70CA63B4A3B}" type="datetimeFigureOut">
               <a:rPr lang="en-GB" smtClean="0"/>
-              <a:t>07/02/2022</a:t>
+              <a:t>22/02/2022</a:t>
             </a:fld>
             <a:endParaRPr lang="en-GB"/>
           </a:p>
@@ -2683,7 +2688,7 @@
           <a:p>
             <a:fld id="{390A380A-7C2E-4CB6-8AB7-B70CA63B4A3B}" type="datetimeFigureOut">
               <a:rPr lang="en-GB" smtClean="0"/>
-              <a:t>07/02/2022</a:t>
+              <a:t>22/02/2022</a:t>
             </a:fld>
             <a:endParaRPr lang="en-GB"/>
           </a:p>
@@ -2926,7 +2931,7 @@
           <a:p>
             <a:fld id="{390A380A-7C2E-4CB6-8AB7-B70CA63B4A3B}" type="datetimeFigureOut">
               <a:rPr lang="en-GB" smtClean="0"/>
-              <a:t>07/02/2022</a:t>
+              <a:t>22/02/2022</a:t>
             </a:fld>
             <a:endParaRPr lang="en-GB"/>
           </a:p>
@@ -3363,6 +3368,7 @@
           <a:prstGeom prst="ellipse">
             <a:avLst/>
           </a:prstGeom>
+          <a:ln w="38100"/>
         </p:spPr>
         <p:style>
           <a:lnRef idx="2">
@@ -3386,11 +3392,11 @@
           <a:p>
             <a:pPr algn="ctr"/>
             <a:r>
-              <a:rPr lang="en-GB" dirty="0"/>
+              <a:rPr lang="en-GB" b="1" dirty="0"/>
               <a:t>S</a:t>
             </a:r>
             <a:r>
-              <a:rPr lang="en-GB" baseline="-25000" dirty="0"/>
+              <a:rPr lang="en-GB" b="1" baseline="-25000" dirty="0"/>
               <a:t>H</a:t>
             </a:r>
           </a:p>
@@ -3416,6 +3422,7 @@
           <a:prstGeom prst="ellipse">
             <a:avLst/>
           </a:prstGeom>
+          <a:ln w="38100"/>
         </p:spPr>
         <p:style>
           <a:lnRef idx="2">
@@ -3439,11 +3446,11 @@
           <a:p>
             <a:pPr algn="ctr"/>
             <a:r>
-              <a:rPr lang="en-GB" dirty="0"/>
+              <a:rPr lang="en-GB" b="1" dirty="0"/>
               <a:t>I</a:t>
             </a:r>
             <a:r>
-              <a:rPr lang="en-GB" baseline="-25000" dirty="0"/>
+              <a:rPr lang="en-GB" b="1" baseline="-25000" dirty="0"/>
               <a:t>SH</a:t>
             </a:r>
           </a:p>
@@ -3469,6 +3476,7 @@
           <a:prstGeom prst="ellipse">
             <a:avLst/>
           </a:prstGeom>
+          <a:ln w="38100"/>
         </p:spPr>
         <p:style>
           <a:lnRef idx="2">
@@ -3492,11 +3500,11 @@
           <a:p>
             <a:pPr algn="ctr"/>
             <a:r>
-              <a:rPr lang="en-GB" dirty="0"/>
+              <a:rPr lang="en-GB" b="1" dirty="0"/>
               <a:t>I</a:t>
             </a:r>
             <a:r>
-              <a:rPr lang="en-GB" baseline="-25000" dirty="0"/>
+              <a:rPr lang="en-GB" b="1" baseline="-25000" dirty="0"/>
               <a:t>RH</a:t>
             </a:r>
           </a:p>
@@ -3522,6 +3530,7 @@
           <a:prstGeom prst="rect">
             <a:avLst/>
           </a:prstGeom>
+          <a:ln w="38100"/>
         </p:spPr>
         <p:style>
           <a:lnRef idx="2">
@@ -3545,11 +3554,11 @@
           <a:p>
             <a:pPr algn="ctr"/>
             <a:r>
-              <a:rPr lang="en-GB" dirty="0"/>
+              <a:rPr lang="en-GB" b="1" dirty="0"/>
               <a:t>I</a:t>
             </a:r>
             <a:r>
-              <a:rPr lang="en-GB" baseline="-25000" dirty="0"/>
+              <a:rPr lang="en-GB" b="1" baseline="-25000" dirty="0"/>
               <a:t>SA</a:t>
             </a:r>
           </a:p>
@@ -3575,6 +3584,7 @@
           <a:prstGeom prst="rect">
             <a:avLst/>
           </a:prstGeom>
+          <a:ln w="38100"/>
         </p:spPr>
         <p:style>
           <a:lnRef idx="2">
@@ -3598,11 +3608,11 @@
           <a:p>
             <a:pPr algn="ctr"/>
             <a:r>
-              <a:rPr lang="en-GB" dirty="0"/>
+              <a:rPr lang="en-GB" b="1" dirty="0"/>
               <a:t>I</a:t>
             </a:r>
             <a:r>
-              <a:rPr lang="en-GB" baseline="-25000" dirty="0"/>
+              <a:rPr lang="en-GB" b="1" baseline="-25000" dirty="0"/>
               <a:t>RA</a:t>
             </a:r>
           </a:p>
@@ -3628,6 +3638,7 @@
           <a:prstGeom prst="rect">
             <a:avLst/>
           </a:prstGeom>
+          <a:ln w="38100"/>
         </p:spPr>
         <p:style>
           <a:lnRef idx="2">
@@ -3651,11 +3662,11 @@
           <a:p>
             <a:pPr algn="ctr"/>
             <a:r>
-              <a:rPr lang="en-GB" dirty="0"/>
+              <a:rPr lang="en-GB" b="1" dirty="0"/>
               <a:t>S</a:t>
             </a:r>
             <a:r>
-              <a:rPr lang="en-GB" baseline="-25000" dirty="0"/>
+              <a:rPr lang="en-GB" b="1" baseline="-25000" dirty="0"/>
               <a:t>A</a:t>
             </a:r>
           </a:p>
@@ -3663,10 +3674,10 @@
       </p:sp>
       <p:sp>
         <p:nvSpPr>
-          <p:cNvPr id="124" name="Rectangle 123">
-            <a:extLst>
-              <a:ext uri="{FF2B5EF4-FFF2-40B4-BE49-F238E27FC236}">
-                <a16:creationId xmlns:a16="http://schemas.microsoft.com/office/drawing/2014/main" id="{EA04EBC3-2E65-4B31-B9D5-24798FA4C2F6}"/>
+          <p:cNvPr id="125" name="Rectangle 124">
+            <a:extLst>
+              <a:ext uri="{FF2B5EF4-FFF2-40B4-BE49-F238E27FC236}">
+                <a16:creationId xmlns:a16="http://schemas.microsoft.com/office/drawing/2014/main" id="{8AF7A824-32C5-4EC4-A664-A604545DE78C}"/>
               </a:ext>
             </a:extLst>
           </p:cNvPr>
@@ -3675,12 +3686,13 @@
         </p:nvSpPr>
         <p:spPr>
           <a:xfrm>
-            <a:off x="8830115" y="4833952"/>
-            <a:ext cx="914400" cy="914400"/>
+            <a:off x="8826045" y="1504308"/>
+            <a:ext cx="1128796" cy="1128796"/>
           </a:xfrm>
           <a:prstGeom prst="rect">
             <a:avLst/>
           </a:prstGeom>
+          <a:ln w="38100"/>
         </p:spPr>
         <p:style>
           <a:lnRef idx="2">
@@ -3704,64 +3716,18 @@
           <a:p>
             <a:pPr algn="ctr"/>
             <a:r>
-              <a:rPr lang="en-GB" dirty="0"/>
-              <a:t>IMP</a:t>
-            </a:r>
-            <a:r>
-              <a:rPr lang="en-GB" baseline="-25000" dirty="0"/>
-              <a:t>RA</a:t>
-            </a:r>
-          </a:p>
-        </p:txBody>
-      </p:sp>
-      <p:sp>
-        <p:nvSpPr>
-          <p:cNvPr id="125" name="Rectangle 124">
-            <a:extLst>
-              <a:ext uri="{FF2B5EF4-FFF2-40B4-BE49-F238E27FC236}">
-                <a16:creationId xmlns:a16="http://schemas.microsoft.com/office/drawing/2014/main" id="{8AF7A824-32C5-4EC4-A664-A604545DE78C}"/>
-              </a:ext>
-            </a:extLst>
-          </p:cNvPr>
-          <p:cNvSpPr/>
-          <p:nvPr/>
-        </p:nvSpPr>
-        <p:spPr>
-          <a:xfrm>
-            <a:off x="8815304" y="1627227"/>
-            <a:ext cx="914400" cy="914400"/>
-          </a:xfrm>
-          <a:prstGeom prst="rect">
-            <a:avLst/>
-          </a:prstGeom>
-        </p:spPr>
-        <p:style>
-          <a:lnRef idx="2">
-            <a:schemeClr val="dk1">
-              <a:shade val="50000"/>
-            </a:schemeClr>
-          </a:lnRef>
-          <a:fillRef idx="1">
-            <a:schemeClr val="dk1"/>
-          </a:fillRef>
-          <a:effectRef idx="0">
-            <a:schemeClr val="dk1"/>
-          </a:effectRef>
-          <a:fontRef idx="minor">
-            <a:schemeClr val="lt1"/>
-          </a:fontRef>
-        </p:style>
-        <p:txBody>
-          <a:bodyPr rtlCol="0" anchor="ctr"/>
-          <a:lstStyle/>
+              <a:rPr lang="en-GB" b="1" dirty="0" smtClean="0"/>
+              <a:t>Imported </a:t>
+            </a:r>
+          </a:p>
           <a:p>
             <a:pPr algn="ctr"/>
             <a:r>
-              <a:rPr lang="en-GB" dirty="0"/>
-              <a:t>IMP</a:t>
-            </a:r>
-            <a:r>
-              <a:rPr lang="en-GB" baseline="-25000" dirty="0"/>
+              <a:rPr lang="en-GB" b="1" dirty="0" smtClean="0"/>
+              <a:t>I</a:t>
+            </a:r>
+            <a:r>
+              <a:rPr lang="en-GB" b="1" baseline="-25000" dirty="0" smtClean="0"/>
               <a:t>SA</a:t>
             </a:r>
           </a:p>
@@ -3790,7 +3756,7 @@
           <a:prstGeom prst="straightConnector1">
             <a:avLst/>
           </a:prstGeom>
-          <a:ln w="19050">
+          <a:ln w="28575">
             <a:solidFill>
               <a:schemeClr val="accent1"/>
             </a:solidFill>
@@ -3837,7 +3803,7 @@
           <a:prstGeom prst="straightConnector1">
             <a:avLst/>
           </a:prstGeom>
-          <a:ln w="19050">
+          <a:ln w="28575">
             <a:solidFill>
               <a:schemeClr val="accent1"/>
             </a:solidFill>
@@ -3882,7 +3848,7 @@
           <a:prstGeom prst="straightConnector1">
             <a:avLst/>
           </a:prstGeom>
-          <a:ln>
+          <a:ln w="28575">
             <a:tailEnd type="triangle"/>
           </a:ln>
         </p:spPr>
@@ -3923,7 +3889,7 @@
           <a:prstGeom prst="straightConnector1">
             <a:avLst/>
           </a:prstGeom>
-          <a:ln>
+          <a:ln w="28575">
             <a:headEnd type="triangle"/>
             <a:tailEnd type="none"/>
           </a:ln>
@@ -3967,7 +3933,7 @@
               <a:gd name="adj1" fmla="val -33941"/>
             </a:avLst>
           </a:prstGeom>
-          <a:ln>
+          <a:ln w="28575">
             <a:tailEnd type="triangle"/>
           </a:ln>
         </p:spPr>
@@ -4012,7 +3978,7 @@
               <a:gd name="adj1" fmla="val -53005"/>
             </a:avLst>
           </a:prstGeom>
-          <a:ln>
+          <a:ln w="28575">
             <a:tailEnd type="triangle"/>
           </a:ln>
         </p:spPr>
@@ -4057,7 +4023,7 @@
               <a:gd name="adj1" fmla="val -25046"/>
             </a:avLst>
           </a:prstGeom>
-          <a:ln>
+          <a:ln w="28575">
             <a:tailEnd type="triangle"/>
           </a:ln>
         </p:spPr>
@@ -4098,7 +4064,7 @@
           <a:prstGeom prst="straightConnector1">
             <a:avLst/>
           </a:prstGeom>
-          <a:ln>
+          <a:ln w="28575">
             <a:solidFill>
               <a:schemeClr val="accent2"/>
             </a:solidFill>
@@ -4233,7 +4199,7 @@
           <a:prstGeom prst="straightConnector1">
             <a:avLst/>
           </a:prstGeom>
-          <a:ln>
+          <a:ln w="28575">
             <a:solidFill>
               <a:schemeClr val="accent2"/>
             </a:solidFill>
@@ -4272,13 +4238,13 @@
         </p:nvCxnSpPr>
         <p:spPr>
           <a:xfrm>
-            <a:off x="1758555" y="3941684"/>
-            <a:ext cx="1168003" cy="1294209"/>
+            <a:off x="1787720" y="3916041"/>
+            <a:ext cx="1101728" cy="1220773"/>
           </a:xfrm>
           <a:prstGeom prst="straightConnector1">
             <a:avLst/>
           </a:prstGeom>
-          <a:ln>
+          <a:ln w="28575">
             <a:tailEnd type="triangle"/>
           </a:ln>
         </p:spPr>
@@ -4313,13 +4279,13 @@
         </p:nvCxnSpPr>
         <p:spPr>
           <a:xfrm flipV="1">
-            <a:off x="1758555" y="2104548"/>
-            <a:ext cx="1176339" cy="1281115"/>
+            <a:off x="1799206" y="2179863"/>
+            <a:ext cx="1110857" cy="1209800"/>
           </a:xfrm>
           <a:prstGeom prst="straightConnector1">
             <a:avLst/>
           </a:prstGeom>
-          <a:ln>
+          <a:ln w="28575">
             <a:tailEnd type="triangle"/>
           </a:ln>
         </p:spPr>
@@ -4443,7 +4409,7 @@
           <a:prstGeom prst="straightConnector1">
             <a:avLst/>
           </a:prstGeom>
-          <a:ln>
+          <a:ln w="28575">
             <a:solidFill>
               <a:schemeClr val="accent2"/>
             </a:solidFill>
@@ -4487,7 +4453,7 @@
           <a:prstGeom prst="straightConnector1">
             <a:avLst/>
           </a:prstGeom>
-          <a:ln>
+          <a:ln w="28575">
             <a:solidFill>
               <a:schemeClr val="accent2"/>
             </a:solidFill>
@@ -4531,7 +4497,7 @@
           <a:prstGeom prst="straightConnector1">
             <a:avLst/>
           </a:prstGeom>
-          <a:ln>
+          <a:ln w="28575">
             <a:tailEnd type="triangle"/>
           </a:ln>
         </p:spPr>
@@ -4572,7 +4538,7 @@
           <a:prstGeom prst="straightConnector1">
             <a:avLst/>
           </a:prstGeom>
-          <a:ln>
+          <a:ln w="28575">
             <a:tailEnd type="triangle"/>
           </a:ln>
         </p:spPr>
@@ -4607,13 +4573,13 @@
         </p:nvCxnSpPr>
         <p:spPr>
           <a:xfrm>
-            <a:off x="6722269" y="1437798"/>
+            <a:off x="6760369" y="1437798"/>
             <a:ext cx="352424" cy="1"/>
           </a:xfrm>
           <a:prstGeom prst="straightConnector1">
             <a:avLst/>
           </a:prstGeom>
-          <a:ln>
+          <a:ln w="28575">
             <a:solidFill>
               <a:schemeClr val="accent2"/>
             </a:solidFill>
@@ -4651,13 +4617,13 @@
         </p:nvCxnSpPr>
         <p:spPr>
           <a:xfrm>
-            <a:off x="6722269" y="5885973"/>
+            <a:off x="6752973" y="5900847"/>
             <a:ext cx="352424" cy="1"/>
           </a:xfrm>
           <a:prstGeom prst="straightConnector1">
             <a:avLst/>
           </a:prstGeom>
-          <a:ln>
+          <a:ln w="28575">
             <a:solidFill>
               <a:schemeClr val="accent2"/>
             </a:solidFill>
@@ -4701,7 +4667,7 @@
           <a:prstGeom prst="straightConnector1">
             <a:avLst/>
           </a:prstGeom>
-          <a:ln w="19050">
+          <a:ln w="28575">
             <a:prstDash val="dash"/>
             <a:tailEnd type="triangle"/>
           </a:ln>
@@ -4743,7 +4709,7 @@
           <a:prstGeom prst="straightConnector1">
             <a:avLst/>
           </a:prstGeom>
-          <a:ln w="19050">
+          <a:ln w="28575">
             <a:prstDash val="dash"/>
             <a:tailEnd type="triangle"/>
           </a:ln>
@@ -4779,13 +4745,13 @@
         </p:nvCxnSpPr>
         <p:spPr>
           <a:xfrm flipH="1">
-            <a:off x="6219826" y="2092107"/>
-            <a:ext cx="2612230" cy="12442"/>
+            <a:off x="6219827" y="2104549"/>
+            <a:ext cx="2612229" cy="0"/>
           </a:xfrm>
           <a:prstGeom prst="straightConnector1">
             <a:avLst/>
           </a:prstGeom>
-          <a:ln>
+          <a:ln w="28575">
             <a:tailEnd type="triangle"/>
           </a:ln>
         </p:spPr>
@@ -4828,7 +4794,7 @@
           <a:prstGeom prst="straightConnector1">
             <a:avLst/>
           </a:prstGeom>
-          <a:ln>
+          <a:ln w="28575">
             <a:tailEnd type="triangle"/>
           </a:ln>
         </p:spPr>
@@ -4864,7 +4830,7 @@
         <p:spPr>
           <a:xfrm>
             <a:off x="2144644" y="819945"/>
-            <a:ext cx="354584" cy="369332"/>
+            <a:ext cx="359394" cy="369332"/>
           </a:xfrm>
           <a:prstGeom prst="rect">
             <a:avLst/>
@@ -4878,11 +4844,11 @@
           <a:lstStyle/>
           <a:p>
             <a:r>
-              <a:rPr lang="en-GB" dirty="0"/>
+              <a:rPr lang="en-GB" b="1" dirty="0"/>
               <a:t>r</a:t>
             </a:r>
             <a:r>
-              <a:rPr lang="en-GB" baseline="-25000" dirty="0"/>
+              <a:rPr lang="en-GB" b="1" baseline="-25000" dirty="0"/>
               <a:t>A</a:t>
             </a:r>
           </a:p>
@@ -4903,7 +4869,7 @@
         <p:spPr>
           <a:xfrm>
             <a:off x="2117127" y="5769053"/>
-            <a:ext cx="354584" cy="369332"/>
+            <a:ext cx="359394" cy="369332"/>
           </a:xfrm>
           <a:prstGeom prst="rect">
             <a:avLst/>
@@ -4917,11 +4883,11 @@
           <a:lstStyle/>
           <a:p>
             <a:r>
-              <a:rPr lang="en-GB" dirty="0"/>
+              <a:rPr lang="en-GB" b="1" dirty="0"/>
               <a:t>r</a:t>
             </a:r>
             <a:r>
-              <a:rPr lang="en-GB" baseline="-25000" dirty="0"/>
+              <a:rPr lang="en-GB" b="1" baseline="-25000" dirty="0"/>
               <a:t>A</a:t>
             </a:r>
           </a:p>
@@ -4956,10 +4922,10 @@
           <a:lstStyle/>
           <a:p>
             <a:r>
-              <a:rPr lang="el-GR" dirty="0"/>
+              <a:rPr lang="el-GR" b="1" dirty="0"/>
               <a:t>τ</a:t>
             </a:r>
-            <a:endParaRPr lang="en-GB" dirty="0"/>
+            <a:endParaRPr lang="en-GB" b="1" dirty="0"/>
           </a:p>
         </p:txBody>
       </p:sp>
@@ -4978,7 +4944,7 @@
         <p:spPr>
           <a:xfrm>
             <a:off x="2213019" y="3052824"/>
-            <a:ext cx="487634" cy="369332"/>
+            <a:ext cx="497252" cy="369332"/>
           </a:xfrm>
           <a:prstGeom prst="rect">
             <a:avLst/>
@@ -4992,11 +4958,11 @@
           <a:lstStyle/>
           <a:p>
             <a:r>
-              <a:rPr lang="el-GR" dirty="0"/>
+              <a:rPr lang="el-GR" b="1" dirty="0"/>
               <a:t>β</a:t>
             </a:r>
             <a:r>
-              <a:rPr lang="en-GB" baseline="-25000" dirty="0"/>
+              <a:rPr lang="en-GB" b="1" baseline="-25000" dirty="0"/>
               <a:t>AA</a:t>
             </a:r>
           </a:p>
@@ -5017,7 +4983,7 @@
         <p:spPr>
           <a:xfrm>
             <a:off x="2190839" y="3864456"/>
-            <a:ext cx="619080" cy="369332"/>
+            <a:ext cx="633507" cy="369332"/>
           </a:xfrm>
           <a:prstGeom prst="rect">
             <a:avLst/>
@@ -5031,11 +4997,11 @@
           <a:lstStyle/>
           <a:p>
             <a:r>
-              <a:rPr lang="el-GR" dirty="0"/>
+              <a:rPr lang="el-GR" b="1" dirty="0"/>
               <a:t>αβ</a:t>
             </a:r>
             <a:r>
-              <a:rPr lang="en-GB" baseline="-25000" dirty="0"/>
+              <a:rPr lang="en-GB" b="1" baseline="-25000" dirty="0"/>
               <a:t>AA</a:t>
             </a:r>
           </a:p>
@@ -5056,7 +5022,7 @@
         <p:spPr>
           <a:xfrm>
             <a:off x="1983630" y="2312137"/>
-            <a:ext cx="473206" cy="369332"/>
+            <a:ext cx="426720" cy="369332"/>
           </a:xfrm>
           <a:prstGeom prst="rect">
             <a:avLst/>
@@ -5070,14 +5036,14 @@
           <a:lstStyle/>
           <a:p>
             <a:r>
-              <a:rPr lang="en-GB" dirty="0"/>
-              <a:t>½ </a:t>
-            </a:r>
-            <a:r>
-              <a:rPr lang="el-GR" dirty="0"/>
+              <a:rPr lang="en-GB" b="1" dirty="0" smtClean="0"/>
+              <a:t>½</a:t>
+            </a:r>
+            <a:r>
+              <a:rPr lang="el-GR" b="1" dirty="0" smtClean="0"/>
               <a:t>ζ</a:t>
             </a:r>
-            <a:endParaRPr lang="en-GB" dirty="0"/>
+            <a:endParaRPr lang="en-GB" b="1" dirty="0"/>
           </a:p>
         </p:txBody>
       </p:sp>
@@ -5096,7 +5062,7 @@
         <p:spPr>
           <a:xfrm>
             <a:off x="1960467" y="4607004"/>
-            <a:ext cx="551754" cy="369332"/>
+            <a:ext cx="562975" cy="369332"/>
           </a:xfrm>
           <a:prstGeom prst="rect">
             <a:avLst/>
@@ -5110,14 +5076,14 @@
           <a:lstStyle/>
           <a:p>
             <a:r>
-              <a:rPr lang="en-GB" dirty="0"/>
+              <a:rPr lang="en-GB" b="1" dirty="0"/>
               <a:t>½</a:t>
             </a:r>
             <a:r>
-              <a:rPr lang="el-GR" dirty="0"/>
+              <a:rPr lang="el-GR" b="1" dirty="0"/>
               <a:t>αζ</a:t>
             </a:r>
-            <a:endParaRPr lang="en-GB" dirty="0"/>
+            <a:endParaRPr lang="en-GB" b="1" dirty="0"/>
           </a:p>
         </p:txBody>
       </p:sp>
@@ -5135,8 +5101,8 @@
         </p:nvSpPr>
         <p:spPr>
           <a:xfrm>
-            <a:off x="60158" y="3365299"/>
-            <a:ext cx="401072" cy="369332"/>
+            <a:off x="98258" y="3327199"/>
+            <a:ext cx="407484" cy="369332"/>
           </a:xfrm>
           <a:prstGeom prst="rect">
             <a:avLst/>
@@ -5150,11 +5116,11 @@
           <a:lstStyle/>
           <a:p>
             <a:r>
-              <a:rPr lang="el-GR" dirty="0"/>
+              <a:rPr lang="el-GR" b="1" dirty="0"/>
               <a:t>μ</a:t>
             </a:r>
             <a:r>
-              <a:rPr lang="en-GB" baseline="-25000" dirty="0"/>
+              <a:rPr lang="en-GB" b="1" baseline="-25000" dirty="0"/>
               <a:t>A</a:t>
             </a:r>
           </a:p>
@@ -5174,8 +5140,8 @@
         </p:nvSpPr>
         <p:spPr>
           <a:xfrm>
-            <a:off x="44871" y="3661287"/>
-            <a:ext cx="401072" cy="369332"/>
+            <a:off x="82971" y="3623187"/>
+            <a:ext cx="407484" cy="369332"/>
           </a:xfrm>
           <a:prstGeom prst="rect">
             <a:avLst/>
@@ -5189,11 +5155,11 @@
           <a:lstStyle/>
           <a:p>
             <a:r>
-              <a:rPr lang="el-GR" dirty="0"/>
+              <a:rPr lang="el-GR" b="1" dirty="0"/>
               <a:t>μ</a:t>
             </a:r>
             <a:r>
-              <a:rPr lang="en-GB" baseline="-25000" dirty="0"/>
+              <a:rPr lang="en-GB" b="1" baseline="-25000" dirty="0"/>
               <a:t>A</a:t>
             </a:r>
           </a:p>
@@ -5214,7 +5180,7 @@
         <p:spPr>
           <a:xfrm>
             <a:off x="4170042" y="2172295"/>
-            <a:ext cx="401072" cy="369332"/>
+            <a:ext cx="407484" cy="369332"/>
           </a:xfrm>
           <a:prstGeom prst="rect">
             <a:avLst/>
@@ -5228,11 +5194,11 @@
           <a:lstStyle/>
           <a:p>
             <a:r>
-              <a:rPr lang="el-GR" dirty="0"/>
+              <a:rPr lang="el-GR" b="1" dirty="0"/>
               <a:t>μ</a:t>
             </a:r>
             <a:r>
-              <a:rPr lang="en-GB" baseline="-25000" dirty="0"/>
+              <a:rPr lang="en-GB" b="1" baseline="-25000" dirty="0"/>
               <a:t>A</a:t>
             </a:r>
           </a:p>
@@ -5253,7 +5219,7 @@
         <p:spPr>
           <a:xfrm>
             <a:off x="4159325" y="4775121"/>
-            <a:ext cx="401072" cy="369332"/>
+            <a:ext cx="407484" cy="369332"/>
           </a:xfrm>
           <a:prstGeom prst="rect">
             <a:avLst/>
@@ -5267,11 +5233,11 @@
           <a:lstStyle/>
           <a:p>
             <a:r>
-              <a:rPr lang="el-GR" dirty="0"/>
+              <a:rPr lang="el-GR" b="1" dirty="0"/>
               <a:t>μ</a:t>
             </a:r>
             <a:r>
-              <a:rPr lang="en-GB" baseline="-25000" dirty="0"/>
+              <a:rPr lang="en-GB" b="1" baseline="-25000" dirty="0"/>
               <a:t>A</a:t>
             </a:r>
           </a:p>
@@ -5292,7 +5258,7 @@
         <p:spPr>
           <a:xfrm>
             <a:off x="7074693" y="3462332"/>
-            <a:ext cx="407484" cy="369332"/>
+            <a:ext cx="412292" cy="369332"/>
           </a:xfrm>
           <a:prstGeom prst="rect">
             <a:avLst/>
@@ -5306,11 +5272,11 @@
           <a:lstStyle/>
           <a:p>
             <a:r>
-              <a:rPr lang="el-GR" dirty="0"/>
+              <a:rPr lang="el-GR" b="1" dirty="0"/>
               <a:t>μ</a:t>
             </a:r>
             <a:r>
-              <a:rPr lang="en-GB" baseline="-25000" dirty="0"/>
+              <a:rPr lang="en-GB" b="1" baseline="-25000" dirty="0"/>
               <a:t>H</a:t>
             </a:r>
           </a:p>
@@ -5330,8 +5296,8 @@
         </p:nvSpPr>
         <p:spPr>
           <a:xfrm>
-            <a:off x="5049191" y="3502396"/>
-            <a:ext cx="407484" cy="369332"/>
+            <a:off x="5049005" y="3476621"/>
+            <a:ext cx="412292" cy="369332"/>
           </a:xfrm>
           <a:prstGeom prst="rect">
             <a:avLst/>
@@ -5345,11 +5311,11 @@
           <a:lstStyle/>
           <a:p>
             <a:r>
-              <a:rPr lang="el-GR" dirty="0"/>
+              <a:rPr lang="el-GR" b="1" dirty="0"/>
               <a:t>μ</a:t>
             </a:r>
             <a:r>
-              <a:rPr lang="en-GB" baseline="-25000" dirty="0"/>
+              <a:rPr lang="en-GB" b="1" baseline="-25000" dirty="0"/>
               <a:t>H</a:t>
             </a:r>
           </a:p>
@@ -5369,8 +5335,8 @@
         </p:nvSpPr>
         <p:spPr>
           <a:xfrm>
-            <a:off x="7074693" y="5701307"/>
-            <a:ext cx="407484" cy="369332"/>
+            <a:off x="7067297" y="5690781"/>
+            <a:ext cx="412292" cy="369332"/>
           </a:xfrm>
           <a:prstGeom prst="rect">
             <a:avLst/>
@@ -5384,11 +5350,11 @@
           <a:lstStyle/>
           <a:p>
             <a:r>
-              <a:rPr lang="el-GR" dirty="0"/>
+              <a:rPr lang="el-GR" b="1" dirty="0"/>
               <a:t>μ</a:t>
             </a:r>
             <a:r>
-              <a:rPr lang="en-GB" baseline="-25000" dirty="0"/>
+              <a:rPr lang="en-GB" b="1" baseline="-25000" dirty="0"/>
               <a:t>H</a:t>
             </a:r>
           </a:p>
@@ -5408,8 +5374,8 @@
         </p:nvSpPr>
         <p:spPr>
           <a:xfrm>
-            <a:off x="7005637" y="1217176"/>
-            <a:ext cx="407484" cy="369332"/>
+            <a:off x="7043737" y="1217176"/>
+            <a:ext cx="412292" cy="369332"/>
           </a:xfrm>
           <a:prstGeom prst="rect">
             <a:avLst/>
@@ -5423,11 +5389,11 @@
           <a:lstStyle/>
           <a:p>
             <a:r>
-              <a:rPr lang="el-GR" dirty="0"/>
+              <a:rPr lang="el-GR" b="1" dirty="0"/>
               <a:t>μ</a:t>
             </a:r>
             <a:r>
-              <a:rPr lang="en-GB" baseline="-25000" dirty="0"/>
+              <a:rPr lang="en-GB" b="1" baseline="-25000" dirty="0"/>
               <a:t>H</a:t>
             </a:r>
           </a:p>
@@ -5448,7 +5414,7 @@
         <p:spPr>
           <a:xfrm>
             <a:off x="4614870" y="1685360"/>
-            <a:ext cx="780983" cy="369332"/>
+            <a:ext cx="797013" cy="369332"/>
           </a:xfrm>
           <a:prstGeom prst="rect">
             <a:avLst/>
@@ -5462,11 +5428,11 @@
           <a:lstStyle/>
           <a:p>
             <a:r>
-              <a:rPr lang="el-GR" dirty="0"/>
+              <a:rPr lang="el-GR" b="1" dirty="0"/>
               <a:t>ηψβ</a:t>
             </a:r>
             <a:r>
-              <a:rPr lang="en-GB" baseline="-25000" dirty="0"/>
+              <a:rPr lang="en-GB" b="1" baseline="-25000" dirty="0"/>
               <a:t>HA</a:t>
             </a:r>
           </a:p>
@@ -5487,7 +5453,7 @@
         <p:spPr>
           <a:xfrm>
             <a:off x="4652254" y="5261134"/>
-            <a:ext cx="912429" cy="369332"/>
+            <a:ext cx="933269" cy="369332"/>
           </a:xfrm>
           <a:prstGeom prst="rect">
             <a:avLst/>
@@ -5501,11 +5467,11 @@
           <a:lstStyle/>
           <a:p>
             <a:r>
-              <a:rPr lang="el-GR" dirty="0"/>
+              <a:rPr lang="el-GR" b="1" dirty="0"/>
               <a:t>ηψαβ</a:t>
             </a:r>
             <a:r>
-              <a:rPr lang="en-GB" baseline="-25000" dirty="0"/>
+              <a:rPr lang="en-GB" b="1" baseline="-25000" dirty="0"/>
               <a:t>HA</a:t>
             </a:r>
           </a:p>
@@ -5526,7 +5492,7 @@
         <p:spPr>
           <a:xfrm>
             <a:off x="7293603" y="1699374"/>
-            <a:ext cx="986167" cy="369332"/>
+            <a:ext cx="1003801" cy="369332"/>
           </a:xfrm>
           <a:prstGeom prst="rect">
             <a:avLst/>
@@ -5540,23 +5506,23 @@
           <a:lstStyle/>
           <a:p>
             <a:r>
-              <a:rPr lang="en-GB" dirty="0"/>
+              <a:rPr lang="en-GB" b="1" dirty="0"/>
               <a:t>(1-</a:t>
             </a:r>
             <a:r>
-              <a:rPr lang="el-GR" dirty="0"/>
+              <a:rPr lang="el-GR" b="1" dirty="0"/>
               <a:t>ψ</a:t>
             </a:r>
             <a:r>
-              <a:rPr lang="en-GB" dirty="0"/>
+              <a:rPr lang="en-GB" b="1" dirty="0"/>
               <a:t>)</a:t>
             </a:r>
             <a:r>
-              <a:rPr lang="el-GR" dirty="0"/>
+              <a:rPr lang="el-GR" b="1" dirty="0"/>
               <a:t>β</a:t>
             </a:r>
             <a:r>
-              <a:rPr lang="en-GB" baseline="-25000" dirty="0"/>
+              <a:rPr lang="en-GB" b="1" baseline="-25000" dirty="0"/>
               <a:t>HA</a:t>
             </a:r>
           </a:p>
@@ -5577,7 +5543,7 @@
         <p:spPr>
           <a:xfrm>
             <a:off x="7262342" y="5244109"/>
-            <a:ext cx="1117614" cy="369332"/>
+            <a:ext cx="1140056" cy="369332"/>
           </a:xfrm>
           <a:prstGeom prst="rect">
             <a:avLst/>
@@ -5591,23 +5557,23 @@
           <a:lstStyle/>
           <a:p>
             <a:r>
-              <a:rPr lang="en-GB" dirty="0"/>
+              <a:rPr lang="en-GB" b="1" dirty="0"/>
               <a:t>(1-</a:t>
             </a:r>
             <a:r>
-              <a:rPr lang="el-GR" dirty="0"/>
+              <a:rPr lang="el-GR" b="1" dirty="0"/>
               <a:t>ψ</a:t>
             </a:r>
             <a:r>
-              <a:rPr lang="en-GB" dirty="0"/>
+              <a:rPr lang="en-GB" b="1" dirty="0"/>
               <a:t>)</a:t>
             </a:r>
             <a:r>
-              <a:rPr lang="el-GR" dirty="0"/>
+              <a:rPr lang="el-GR" b="1" dirty="0"/>
               <a:t>αβ</a:t>
             </a:r>
             <a:r>
-              <a:rPr lang="en-GB" baseline="-25000" dirty="0"/>
+              <a:rPr lang="en-GB" b="1" baseline="-25000" dirty="0"/>
               <a:t>HA</a:t>
             </a:r>
           </a:p>
@@ -5642,11 +5608,11 @@
           <a:lstStyle/>
           <a:p>
             <a:r>
-              <a:rPr lang="en-GB" dirty="0"/>
+              <a:rPr lang="en-GB" b="1" dirty="0"/>
               <a:t>r</a:t>
             </a:r>
             <a:r>
-              <a:rPr lang="en-GB" baseline="-25000" dirty="0"/>
+              <a:rPr lang="en-GB" b="1" baseline="-25000" dirty="0"/>
               <a:t>H</a:t>
             </a:r>
           </a:p>
@@ -5681,11 +5647,11 @@
           <a:lstStyle/>
           <a:p>
             <a:r>
-              <a:rPr lang="en-GB" dirty="0"/>
+              <a:rPr lang="en-GB" b="1" dirty="0"/>
               <a:t>r</a:t>
             </a:r>
             <a:r>
-              <a:rPr lang="en-GB" baseline="-25000" dirty="0"/>
+              <a:rPr lang="en-GB" b="1" baseline="-25000" dirty="0"/>
               <a:t>H</a:t>
             </a:r>
           </a:p>
@@ -5720,10 +5686,10 @@
           <a:lstStyle/>
           <a:p>
             <a:r>
-              <a:rPr lang="el-GR" dirty="0"/>
+              <a:rPr lang="el-GR" b="1" dirty="0"/>
               <a:t>τθ</a:t>
             </a:r>
-            <a:endParaRPr lang="en-GB" dirty="0"/>
+            <a:endParaRPr lang="en-GB" b="1" dirty="0"/>
           </a:p>
         </p:txBody>
       </p:sp>
@@ -5742,7 +5708,7 @@
         <p:spPr>
           <a:xfrm>
             <a:off x="2908018" y="3431708"/>
-            <a:ext cx="335348" cy="369332"/>
+            <a:ext cx="346570" cy="369332"/>
           </a:xfrm>
           <a:prstGeom prst="rect">
             <a:avLst/>
@@ -5756,10 +5722,10 @@
           <a:lstStyle/>
           <a:p>
             <a:r>
-              <a:rPr lang="el-GR" dirty="0"/>
+              <a:rPr lang="el-GR" b="1" dirty="0"/>
               <a:t>φ</a:t>
             </a:r>
-            <a:endParaRPr lang="en-GB" dirty="0"/>
+            <a:endParaRPr lang="en-GB" b="1" dirty="0"/>
           </a:p>
         </p:txBody>
       </p:sp>
@@ -5777,8 +5743,8 @@
         </p:nvSpPr>
         <p:spPr>
           <a:xfrm>
-            <a:off x="1739182" y="6289235"/>
-            <a:ext cx="1207895" cy="369332"/>
+            <a:off x="1544570" y="269210"/>
+            <a:ext cx="1553759" cy="461665"/>
           </a:xfrm>
           <a:prstGeom prst="rect">
             <a:avLst/>
@@ -5792,7 +5758,7 @@
           <a:lstStyle/>
           <a:p>
             <a:r>
-              <a:rPr lang="en-GB" b="1" u="sng" dirty="0"/>
+              <a:rPr lang="en-GB" sz="2400" b="1" u="sng" dirty="0"/>
               <a:t>LIVESTOCK</a:t>
             </a:r>
           </a:p>
@@ -5812,8 +5778,8 @@
         </p:nvSpPr>
         <p:spPr>
           <a:xfrm>
-            <a:off x="5794529" y="6433333"/>
-            <a:ext cx="1083951" cy="369332"/>
+            <a:off x="5612100" y="272583"/>
+            <a:ext cx="1382110" cy="461665"/>
           </a:xfrm>
           <a:prstGeom prst="rect">
             <a:avLst/>
@@ -5827,7 +5793,7 @@
           <a:lstStyle/>
           <a:p>
             <a:r>
-              <a:rPr lang="en-GB" b="1" u="sng" dirty="0"/>
+              <a:rPr lang="en-GB" sz="2400" b="1" u="sng" dirty="0"/>
               <a:t>HUMANS</a:t>
             </a:r>
           </a:p>
@@ -5847,8 +5813,8 @@
         </p:nvSpPr>
         <p:spPr>
           <a:xfrm>
-            <a:off x="8369324" y="6301238"/>
-            <a:ext cx="1839863" cy="369332"/>
+            <a:off x="8197527" y="269210"/>
+            <a:ext cx="2393156" cy="461665"/>
           </a:xfrm>
           <a:prstGeom prst="rect">
             <a:avLst/>
@@ -5862,51 +5828,8 @@
           <a:lstStyle/>
           <a:p>
             <a:r>
-              <a:rPr lang="en-GB" b="1" u="sng" dirty="0"/>
+              <a:rPr lang="en-GB" sz="2400" b="1" u="sng" dirty="0"/>
               <a:t>IMPORTED FOOD</a:t>
-            </a:r>
-          </a:p>
-        </p:txBody>
-      </p:sp>
-      <p:sp>
-        <p:nvSpPr>
-          <p:cNvPr id="3" name="TextBox 2">
-            <a:extLst>
-              <a:ext uri="{FF2B5EF4-FFF2-40B4-BE49-F238E27FC236}">
-                <a16:creationId xmlns:a16="http://schemas.microsoft.com/office/drawing/2014/main" id="{2CCEA2C6-C595-47F7-A833-B2503CDA947F}"/>
-              </a:ext>
-            </a:extLst>
-          </p:cNvPr>
-          <p:cNvSpPr txBox="1"/>
-          <p:nvPr/>
-        </p:nvSpPr>
-        <p:spPr>
-          <a:xfrm>
-            <a:off x="7960659" y="3540237"/>
-            <a:ext cx="3150005" cy="923330"/>
-          </a:xfrm>
-          <a:prstGeom prst="rect">
-            <a:avLst/>
-          </a:prstGeom>
-          <a:noFill/>
-        </p:spPr>
-        <p:txBody>
-          <a:bodyPr wrap="square" rtlCol="0">
-            <a:spAutoFit/>
-          </a:bodyPr>
-          <a:lstStyle/>
-          <a:p>
-            <a:r>
-              <a:rPr lang="en-GB" b="1" dirty="0"/>
-              <a:t>IMP</a:t>
-            </a:r>
-            <a:r>
-              <a:rPr lang="en-GB" b="1" baseline="-25000" dirty="0"/>
-              <a:t>RA</a:t>
-            </a:r>
-            <a:r>
-              <a:rPr lang="en-GB" dirty="0"/>
-              <a:t> = Proportion of Imports Resistant*Proportion of Import Contaminated</a:t>
             </a:r>
           </a:p>
         </p:txBody>
@@ -5919,8 +5842,8 @@
         </p:nvSpPr>
         <p:spPr>
           <a:xfrm>
-            <a:off x="7960659" y="273689"/>
-            <a:ext cx="3852114" cy="923330"/>
+            <a:off x="7744711" y="2784763"/>
+            <a:ext cx="3164589" cy="369332"/>
           </a:xfrm>
           <a:prstGeom prst="rect">
             <a:avLst/>
@@ -5933,20 +5856,693 @@
           <a:lstStyle/>
           <a:p>
             <a:r>
+              <a:rPr lang="en-GB" b="1" dirty="0" smtClean="0"/>
+              <a:t>IMP</a:t>
+            </a:r>
+            <a:r>
+              <a:rPr lang="en-GB" b="1" baseline="-25000" dirty="0" smtClean="0"/>
+              <a:t>ISA</a:t>
+            </a:r>
+            <a:r>
+              <a:rPr lang="en-GB" b="1" dirty="0" smtClean="0"/>
+              <a:t> </a:t>
+            </a:r>
+            <a:r>
               <a:rPr lang="en-GB" b="1" dirty="0"/>
+              <a:t>= </a:t>
+            </a:r>
+            <a:r>
+              <a:rPr lang="en-GB" b="1" dirty="0" err="1" smtClean="0"/>
+              <a:t>Frac</a:t>
+            </a:r>
+            <a:r>
+              <a:rPr lang="en-GB" b="1" baseline="-25000" dirty="0" err="1" smtClean="0"/>
+              <a:t>Imp</a:t>
+            </a:r>
+            <a:r>
+              <a:rPr lang="en-GB" b="1" dirty="0" smtClean="0"/>
+              <a:t>(1-PropRes</a:t>
+            </a:r>
+            <a:r>
+              <a:rPr lang="en-GB" b="1" baseline="-25000" dirty="0" smtClean="0"/>
+              <a:t>Imp</a:t>
+            </a:r>
+            <a:r>
+              <a:rPr lang="en-GB" b="1" dirty="0" smtClean="0"/>
+              <a:t>)</a:t>
+            </a:r>
+            <a:endParaRPr lang="en-GB" b="1" dirty="0"/>
+          </a:p>
+        </p:txBody>
+      </p:sp>
+      <p:sp>
+        <p:nvSpPr>
+          <p:cNvPr id="63" name="Rectangle 62"/>
+          <p:cNvSpPr/>
+          <p:nvPr/>
+        </p:nvSpPr>
+        <p:spPr>
+          <a:xfrm>
+            <a:off x="7800294" y="4320302"/>
+            <a:ext cx="3164589" cy="369332"/>
+          </a:xfrm>
+          <a:prstGeom prst="rect">
+            <a:avLst/>
+          </a:prstGeom>
+        </p:spPr>
+        <p:txBody>
+          <a:bodyPr wrap="square">
+            <a:spAutoFit/>
+          </a:bodyPr>
+          <a:lstStyle/>
+          <a:p>
+            <a:r>
+              <a:rPr lang="en-GB" b="1" dirty="0" smtClean="0"/>
               <a:t>IMP</a:t>
             </a:r>
             <a:r>
-              <a:rPr lang="en-GB" b="1" baseline="-25000" dirty="0"/>
-              <a:t>SA</a:t>
-            </a:r>
-            <a:r>
-              <a:rPr lang="en-GB" dirty="0"/>
-              <a:t> = (1-Proportion of Imports Resistant)*Proportion of Import Contaminated</a:t>
-            </a:r>
-          </a:p>
-        </p:txBody>
-      </p:sp>
+              <a:rPr lang="en-GB" b="1" baseline="-25000" dirty="0" smtClean="0"/>
+              <a:t>IRA</a:t>
+            </a:r>
+            <a:r>
+              <a:rPr lang="en-GB" b="1" dirty="0" smtClean="0"/>
+              <a:t> </a:t>
+            </a:r>
+            <a:r>
+              <a:rPr lang="en-GB" b="1" dirty="0"/>
+              <a:t>= </a:t>
+            </a:r>
+            <a:r>
+              <a:rPr lang="en-GB" b="1" dirty="0" err="1" smtClean="0"/>
+              <a:t>Frac</a:t>
+            </a:r>
+            <a:r>
+              <a:rPr lang="en-GB" b="1" baseline="-25000" dirty="0" err="1" smtClean="0"/>
+              <a:t>Imp</a:t>
+            </a:r>
+            <a:r>
+              <a:rPr lang="en-GB" b="1" dirty="0" err="1" smtClean="0"/>
+              <a:t>PropRes</a:t>
+            </a:r>
+            <a:r>
+              <a:rPr lang="en-GB" b="1" baseline="-25000" dirty="0" err="1" smtClean="0"/>
+              <a:t>Imp</a:t>
+            </a:r>
+            <a:endParaRPr lang="en-GB" b="1" dirty="0"/>
+          </a:p>
+        </p:txBody>
+      </p:sp>
+      <p:sp>
+        <p:nvSpPr>
+          <p:cNvPr id="64" name="Rectangle 63">
+            <a:extLst>
+              <a:ext uri="{FF2B5EF4-FFF2-40B4-BE49-F238E27FC236}">
+                <a16:creationId xmlns:a16="http://schemas.microsoft.com/office/drawing/2014/main" id="{8AF7A824-32C5-4EC4-A664-A604545DE78C}"/>
+              </a:ext>
+            </a:extLst>
+          </p:cNvPr>
+          <p:cNvSpPr/>
+          <p:nvPr/>
+        </p:nvSpPr>
+        <p:spPr>
+          <a:xfrm>
+            <a:off x="8832056" y="4757177"/>
+            <a:ext cx="1128796" cy="1128796"/>
+          </a:xfrm>
+          <a:prstGeom prst="rect">
+            <a:avLst/>
+          </a:prstGeom>
+          <a:ln w="38100"/>
+        </p:spPr>
+        <p:style>
+          <a:lnRef idx="2">
+            <a:schemeClr val="dk1">
+              <a:shade val="50000"/>
+            </a:schemeClr>
+          </a:lnRef>
+          <a:fillRef idx="1">
+            <a:schemeClr val="dk1"/>
+          </a:fillRef>
+          <a:effectRef idx="0">
+            <a:schemeClr val="dk1"/>
+          </a:effectRef>
+          <a:fontRef idx="minor">
+            <a:schemeClr val="lt1"/>
+          </a:fontRef>
+        </p:style>
+        <p:txBody>
+          <a:bodyPr rtlCol="0" anchor="ctr"/>
+          <a:lstStyle/>
+          <a:p>
+            <a:pPr algn="ctr"/>
+            <a:r>
+              <a:rPr lang="en-GB" b="1" dirty="0" smtClean="0"/>
+              <a:t>Imported </a:t>
+            </a:r>
+          </a:p>
+          <a:p>
+            <a:pPr algn="ctr"/>
+            <a:r>
+              <a:rPr lang="en-GB" b="1" dirty="0" smtClean="0"/>
+              <a:t>I</a:t>
+            </a:r>
+            <a:r>
+              <a:rPr lang="en-GB" b="1" baseline="-25000" dirty="0" smtClean="0"/>
+              <a:t>RA</a:t>
+            </a:r>
+          </a:p>
+        </p:txBody>
+      </p:sp>
+      <p:sp>
+        <p:nvSpPr>
+          <p:cNvPr id="72" name="Oval 71"/>
+          <p:cNvSpPr/>
+          <p:nvPr/>
+        </p:nvSpPr>
+        <p:spPr>
+          <a:xfrm>
+            <a:off x="2925143" y="6716037"/>
+            <a:ext cx="340641" cy="340641"/>
+          </a:xfrm>
+          <a:prstGeom prst="ellipse">
+            <a:avLst/>
+          </a:prstGeom>
+          <a:solidFill>
+            <a:schemeClr val="accent2"/>
+          </a:solidFill>
+          <a:ln w="28575">
+            <a:solidFill>
+              <a:schemeClr val="accent2"/>
+            </a:solidFill>
+          </a:ln>
+        </p:spPr>
+        <p:style>
+          <a:lnRef idx="2">
+            <a:schemeClr val="accent1">
+              <a:shade val="50000"/>
+            </a:schemeClr>
+          </a:lnRef>
+          <a:fillRef idx="1">
+            <a:schemeClr val="accent1"/>
+          </a:fillRef>
+          <a:effectRef idx="0">
+            <a:schemeClr val="accent1"/>
+          </a:effectRef>
+          <a:fontRef idx="minor">
+            <a:schemeClr val="lt1"/>
+          </a:fontRef>
+        </p:style>
+        <p:txBody>
+          <a:bodyPr rtlCol="0" anchor="ctr"/>
+          <a:lstStyle/>
+          <a:p>
+            <a:pPr algn="ctr"/>
+            <a:endParaRPr lang="en-GB"/>
+          </a:p>
+        </p:txBody>
+      </p:sp>
+      <p:sp>
+        <p:nvSpPr>
+          <p:cNvPr id="73" name="Rectangle 72"/>
+          <p:cNvSpPr/>
+          <p:nvPr/>
+        </p:nvSpPr>
+        <p:spPr>
+          <a:xfrm>
+            <a:off x="2924772" y="7152412"/>
+            <a:ext cx="340641" cy="340641"/>
+          </a:xfrm>
+          <a:prstGeom prst="rect">
+            <a:avLst/>
+          </a:prstGeom>
+          <a:ln w="28575"/>
+        </p:spPr>
+        <p:style>
+          <a:lnRef idx="2">
+            <a:schemeClr val="accent1">
+              <a:shade val="50000"/>
+            </a:schemeClr>
+          </a:lnRef>
+          <a:fillRef idx="1">
+            <a:schemeClr val="accent1"/>
+          </a:fillRef>
+          <a:effectRef idx="0">
+            <a:schemeClr val="accent1"/>
+          </a:effectRef>
+          <a:fontRef idx="minor">
+            <a:schemeClr val="lt1"/>
+          </a:fontRef>
+        </p:style>
+        <p:txBody>
+          <a:bodyPr rtlCol="0" anchor="ctr"/>
+          <a:lstStyle/>
+          <a:p>
+            <a:pPr algn="ctr"/>
+            <a:endParaRPr lang="en-GB"/>
+          </a:p>
+        </p:txBody>
+      </p:sp>
+      <p:sp>
+        <p:nvSpPr>
+          <p:cNvPr id="74" name="Rectangle 73"/>
+          <p:cNvSpPr/>
+          <p:nvPr/>
+        </p:nvSpPr>
+        <p:spPr>
+          <a:xfrm>
+            <a:off x="2924772" y="7590677"/>
+            <a:ext cx="340641" cy="340641"/>
+          </a:xfrm>
+          <a:prstGeom prst="rect">
+            <a:avLst/>
+          </a:prstGeom>
+          <a:solidFill>
+            <a:schemeClr val="tx1"/>
+          </a:solidFill>
+          <a:ln w="28575">
+            <a:solidFill>
+              <a:schemeClr val="tx1"/>
+            </a:solidFill>
+          </a:ln>
+        </p:spPr>
+        <p:style>
+          <a:lnRef idx="2">
+            <a:schemeClr val="accent1">
+              <a:shade val="50000"/>
+            </a:schemeClr>
+          </a:lnRef>
+          <a:fillRef idx="1">
+            <a:schemeClr val="accent1"/>
+          </a:fillRef>
+          <a:effectRef idx="0">
+            <a:schemeClr val="accent1"/>
+          </a:effectRef>
+          <a:fontRef idx="minor">
+            <a:schemeClr val="lt1"/>
+          </a:fontRef>
+        </p:style>
+        <p:txBody>
+          <a:bodyPr rtlCol="0" anchor="ctr"/>
+          <a:lstStyle/>
+          <a:p>
+            <a:pPr algn="ctr"/>
+            <a:endParaRPr lang="en-GB"/>
+          </a:p>
+        </p:txBody>
+      </p:sp>
+      <p:cxnSp>
+        <p:nvCxnSpPr>
+          <p:cNvPr id="75" name="Straight Arrow Connector 74"/>
+          <p:cNvCxnSpPr/>
+          <p:nvPr/>
+        </p:nvCxnSpPr>
+        <p:spPr>
+          <a:xfrm>
+            <a:off x="6007258" y="7021353"/>
+            <a:ext cx="1124883" cy="0"/>
+          </a:xfrm>
+          <a:prstGeom prst="straightConnector1">
+            <a:avLst/>
+          </a:prstGeom>
+          <a:ln w="19050">
+            <a:tailEnd type="triangle"/>
+          </a:ln>
+        </p:spPr>
+        <p:style>
+          <a:lnRef idx="1">
+            <a:schemeClr val="accent1"/>
+          </a:lnRef>
+          <a:fillRef idx="0">
+            <a:schemeClr val="accent1"/>
+          </a:fillRef>
+          <a:effectRef idx="0">
+            <a:schemeClr val="accent1"/>
+          </a:effectRef>
+          <a:fontRef idx="minor">
+            <a:schemeClr val="tx1"/>
+          </a:fontRef>
+        </p:style>
+      </p:cxnSp>
+      <p:cxnSp>
+        <p:nvCxnSpPr>
+          <p:cNvPr id="76" name="Straight Arrow Connector 75"/>
+          <p:cNvCxnSpPr/>
+          <p:nvPr/>
+        </p:nvCxnSpPr>
+        <p:spPr>
+          <a:xfrm>
+            <a:off x="6006595" y="6907442"/>
+            <a:ext cx="1124883" cy="0"/>
+          </a:xfrm>
+          <a:prstGeom prst="straightConnector1">
+            <a:avLst/>
+          </a:prstGeom>
+          <a:ln w="19050">
+            <a:solidFill>
+              <a:schemeClr val="accent2"/>
+            </a:solidFill>
+            <a:tailEnd type="triangle"/>
+          </a:ln>
+        </p:spPr>
+        <p:style>
+          <a:lnRef idx="1">
+            <a:schemeClr val="accent1"/>
+          </a:lnRef>
+          <a:fillRef idx="0">
+            <a:schemeClr val="accent1"/>
+          </a:fillRef>
+          <a:effectRef idx="0">
+            <a:schemeClr val="accent1"/>
+          </a:effectRef>
+          <a:fontRef idx="minor">
+            <a:schemeClr val="tx1"/>
+          </a:fontRef>
+        </p:style>
+      </p:cxnSp>
+      <p:sp>
+        <p:nvSpPr>
+          <p:cNvPr id="77" name="TextBox 76">
+            <a:extLst>
+              <a:ext uri="{FF2B5EF4-FFF2-40B4-BE49-F238E27FC236}">
+                <a16:creationId xmlns:a16="http://schemas.microsoft.com/office/drawing/2014/main" id="{4BAD70AA-C964-47E7-99BC-17EF904B03F0}"/>
+              </a:ext>
+            </a:extLst>
+          </p:cNvPr>
+          <p:cNvSpPr txBox="1"/>
+          <p:nvPr/>
+        </p:nvSpPr>
+        <p:spPr>
+          <a:xfrm>
+            <a:off x="3351217" y="6713555"/>
+            <a:ext cx="1777603" cy="338554"/>
+          </a:xfrm>
+          <a:prstGeom prst="rect">
+            <a:avLst/>
+          </a:prstGeom>
+          <a:noFill/>
+        </p:spPr>
+        <p:txBody>
+          <a:bodyPr wrap="none" rtlCol="0">
+            <a:spAutoFit/>
+          </a:bodyPr>
+          <a:lstStyle/>
+          <a:p>
+            <a:r>
+              <a:rPr lang="en-GB" sz="1600" b="1" dirty="0" smtClean="0"/>
+              <a:t>Human Population</a:t>
+            </a:r>
+            <a:endParaRPr lang="en-GB" sz="1600" b="1" baseline="-25000" dirty="0"/>
+          </a:p>
+        </p:txBody>
+      </p:sp>
+      <p:sp>
+        <p:nvSpPr>
+          <p:cNvPr id="78" name="TextBox 77">
+            <a:extLst>
+              <a:ext uri="{FF2B5EF4-FFF2-40B4-BE49-F238E27FC236}">
+                <a16:creationId xmlns:a16="http://schemas.microsoft.com/office/drawing/2014/main" id="{4BAD70AA-C964-47E7-99BC-17EF904B03F0}"/>
+              </a:ext>
+            </a:extLst>
+          </p:cNvPr>
+          <p:cNvSpPr txBox="1"/>
+          <p:nvPr/>
+        </p:nvSpPr>
+        <p:spPr>
+          <a:xfrm>
+            <a:off x="3352452" y="7133765"/>
+            <a:ext cx="1804789" cy="338554"/>
+          </a:xfrm>
+          <a:prstGeom prst="rect">
+            <a:avLst/>
+          </a:prstGeom>
+          <a:noFill/>
+        </p:spPr>
+        <p:txBody>
+          <a:bodyPr wrap="none" rtlCol="0">
+            <a:spAutoFit/>
+          </a:bodyPr>
+          <a:lstStyle/>
+          <a:p>
+            <a:r>
+              <a:rPr lang="en-GB" sz="1600" b="1" dirty="0" smtClean="0"/>
+              <a:t>Domestic Livestock</a:t>
+            </a:r>
+            <a:endParaRPr lang="en-GB" sz="1600" b="1" baseline="-25000" dirty="0"/>
+          </a:p>
+        </p:txBody>
+      </p:sp>
+      <p:sp>
+        <p:nvSpPr>
+          <p:cNvPr id="79" name="TextBox 78">
+            <a:extLst>
+              <a:ext uri="{FF2B5EF4-FFF2-40B4-BE49-F238E27FC236}">
+                <a16:creationId xmlns:a16="http://schemas.microsoft.com/office/drawing/2014/main" id="{4BAD70AA-C964-47E7-99BC-17EF904B03F0}"/>
+              </a:ext>
+            </a:extLst>
+          </p:cNvPr>
+          <p:cNvSpPr txBox="1"/>
+          <p:nvPr/>
+        </p:nvSpPr>
+        <p:spPr>
+          <a:xfrm>
+            <a:off x="3352011" y="7567007"/>
+            <a:ext cx="2249847" cy="338554"/>
+          </a:xfrm>
+          <a:prstGeom prst="rect">
+            <a:avLst/>
+          </a:prstGeom>
+          <a:noFill/>
+        </p:spPr>
+        <p:txBody>
+          <a:bodyPr wrap="none" rtlCol="0">
+            <a:spAutoFit/>
+          </a:bodyPr>
+          <a:lstStyle/>
+          <a:p>
+            <a:r>
+              <a:rPr lang="en-GB" sz="1600" b="1" dirty="0" smtClean="0"/>
+              <a:t>Imported Food Products</a:t>
+            </a:r>
+            <a:endParaRPr lang="en-GB" sz="1600" b="1" baseline="-25000" dirty="0"/>
+          </a:p>
+        </p:txBody>
+      </p:sp>
+      <p:sp>
+        <p:nvSpPr>
+          <p:cNvPr id="80" name="TextBox 79">
+            <a:extLst>
+              <a:ext uri="{FF2B5EF4-FFF2-40B4-BE49-F238E27FC236}">
+                <a16:creationId xmlns:a16="http://schemas.microsoft.com/office/drawing/2014/main" id="{4BAD70AA-C964-47E7-99BC-17EF904B03F0}"/>
+              </a:ext>
+            </a:extLst>
+          </p:cNvPr>
+          <p:cNvSpPr txBox="1"/>
+          <p:nvPr/>
+        </p:nvSpPr>
+        <p:spPr>
+          <a:xfrm>
+            <a:off x="7205299" y="6855724"/>
+            <a:ext cx="2538195" cy="338554"/>
+          </a:xfrm>
+          <a:prstGeom prst="rect">
+            <a:avLst/>
+          </a:prstGeom>
+          <a:noFill/>
+        </p:spPr>
+        <p:txBody>
+          <a:bodyPr wrap="none" rtlCol="0">
+            <a:spAutoFit/>
+          </a:bodyPr>
+          <a:lstStyle/>
+          <a:p>
+            <a:r>
+              <a:rPr lang="en-GB" sz="1600" b="1" dirty="0" smtClean="0"/>
+              <a:t>Non-transmission dynamics</a:t>
+            </a:r>
+            <a:endParaRPr lang="en-GB" sz="1600" b="1" baseline="-25000" dirty="0"/>
+          </a:p>
+        </p:txBody>
+      </p:sp>
+      <p:sp>
+        <p:nvSpPr>
+          <p:cNvPr id="81" name="TextBox 80">
+            <a:extLst>
+              <a:ext uri="{FF2B5EF4-FFF2-40B4-BE49-F238E27FC236}">
+                <a16:creationId xmlns:a16="http://schemas.microsoft.com/office/drawing/2014/main" id="{4BAD70AA-C964-47E7-99BC-17EF904B03F0}"/>
+              </a:ext>
+            </a:extLst>
+          </p:cNvPr>
+          <p:cNvSpPr txBox="1"/>
+          <p:nvPr/>
+        </p:nvSpPr>
+        <p:spPr>
+          <a:xfrm>
+            <a:off x="7205299" y="7391026"/>
+            <a:ext cx="1288558" cy="338554"/>
+          </a:xfrm>
+          <a:prstGeom prst="rect">
+            <a:avLst/>
+          </a:prstGeom>
+          <a:noFill/>
+        </p:spPr>
+        <p:txBody>
+          <a:bodyPr wrap="none" rtlCol="0">
+            <a:spAutoFit/>
+          </a:bodyPr>
+          <a:lstStyle/>
+          <a:p>
+            <a:r>
+              <a:rPr lang="en-GB" sz="1600" b="1" dirty="0" smtClean="0"/>
+              <a:t>Transmission</a:t>
+            </a:r>
+            <a:endParaRPr lang="en-GB" sz="1600" b="1" baseline="-25000" dirty="0"/>
+          </a:p>
+        </p:txBody>
+      </p:sp>
+      <p:cxnSp>
+        <p:nvCxnSpPr>
+          <p:cNvPr id="82" name="Straight Arrow Connector 81"/>
+          <p:cNvCxnSpPr/>
+          <p:nvPr/>
+        </p:nvCxnSpPr>
+        <p:spPr>
+          <a:xfrm>
+            <a:off x="6014400" y="7139712"/>
+            <a:ext cx="1124883" cy="0"/>
+          </a:xfrm>
+          <a:prstGeom prst="straightConnector1">
+            <a:avLst/>
+          </a:prstGeom>
+          <a:ln w="19050">
+            <a:solidFill>
+              <a:schemeClr val="tx1"/>
+            </a:solidFill>
+            <a:tailEnd type="triangle"/>
+          </a:ln>
+        </p:spPr>
+        <p:style>
+          <a:lnRef idx="1">
+            <a:schemeClr val="accent1"/>
+          </a:lnRef>
+          <a:fillRef idx="0">
+            <a:schemeClr val="accent1"/>
+          </a:fillRef>
+          <a:effectRef idx="0">
+            <a:schemeClr val="accent1"/>
+          </a:effectRef>
+          <a:fontRef idx="minor">
+            <a:schemeClr val="tx1"/>
+          </a:fontRef>
+        </p:style>
+      </p:cxnSp>
+      <p:cxnSp>
+        <p:nvCxnSpPr>
+          <p:cNvPr id="83" name="Straight Arrow Connector 82"/>
+          <p:cNvCxnSpPr/>
+          <p:nvPr/>
+        </p:nvCxnSpPr>
+        <p:spPr>
+          <a:xfrm>
+            <a:off x="6007257" y="7598521"/>
+            <a:ext cx="1124883" cy="0"/>
+          </a:xfrm>
+          <a:prstGeom prst="straightConnector1">
+            <a:avLst/>
+          </a:prstGeom>
+          <a:ln w="19050">
+            <a:prstDash val="dash"/>
+            <a:tailEnd type="triangle"/>
+          </a:ln>
+        </p:spPr>
+        <p:style>
+          <a:lnRef idx="1">
+            <a:schemeClr val="accent1"/>
+          </a:lnRef>
+          <a:fillRef idx="0">
+            <a:schemeClr val="accent1"/>
+          </a:fillRef>
+          <a:effectRef idx="0">
+            <a:schemeClr val="accent1"/>
+          </a:effectRef>
+          <a:fontRef idx="minor">
+            <a:schemeClr val="tx1"/>
+          </a:fontRef>
+        </p:style>
+      </p:cxnSp>
+      <p:cxnSp>
+        <p:nvCxnSpPr>
+          <p:cNvPr id="84" name="Straight Arrow Connector 83"/>
+          <p:cNvCxnSpPr/>
+          <p:nvPr/>
+        </p:nvCxnSpPr>
+        <p:spPr>
+          <a:xfrm>
+            <a:off x="6006594" y="7484610"/>
+            <a:ext cx="1124883" cy="0"/>
+          </a:xfrm>
+          <a:prstGeom prst="straightConnector1">
+            <a:avLst/>
+          </a:prstGeom>
+          <a:ln w="19050">
+            <a:solidFill>
+              <a:schemeClr val="accent2"/>
+            </a:solidFill>
+            <a:prstDash val="dash"/>
+            <a:tailEnd type="triangle"/>
+          </a:ln>
+        </p:spPr>
+        <p:style>
+          <a:lnRef idx="1">
+            <a:schemeClr val="accent1"/>
+          </a:lnRef>
+          <a:fillRef idx="0">
+            <a:schemeClr val="accent1"/>
+          </a:fillRef>
+          <a:effectRef idx="0">
+            <a:schemeClr val="accent1"/>
+          </a:effectRef>
+          <a:fontRef idx="minor">
+            <a:schemeClr val="tx1"/>
+          </a:fontRef>
+        </p:style>
+      </p:cxnSp>
+      <p:cxnSp>
+        <p:nvCxnSpPr>
+          <p:cNvPr id="85" name="Straight Arrow Connector 84"/>
+          <p:cNvCxnSpPr/>
+          <p:nvPr/>
+        </p:nvCxnSpPr>
+        <p:spPr>
+          <a:xfrm>
+            <a:off x="6014399" y="7716880"/>
+            <a:ext cx="1124883" cy="0"/>
+          </a:xfrm>
+          <a:prstGeom prst="straightConnector1">
+            <a:avLst/>
+          </a:prstGeom>
+          <a:ln w="19050">
+            <a:solidFill>
+              <a:schemeClr val="tx1"/>
+            </a:solidFill>
+            <a:prstDash val="dash"/>
+            <a:tailEnd type="triangle"/>
+          </a:ln>
+        </p:spPr>
+        <p:style>
+          <a:lnRef idx="1">
+            <a:schemeClr val="accent1"/>
+          </a:lnRef>
+          <a:fillRef idx="0">
+            <a:schemeClr val="accent1"/>
+          </a:fillRef>
+          <a:effectRef idx="0">
+            <a:schemeClr val="accent1"/>
+          </a:effectRef>
+          <a:fontRef idx="minor">
+            <a:schemeClr val="tx1"/>
+          </a:fontRef>
+        </p:style>
+      </p:cxnSp>
     </p:spTree>
     <p:extLst>
       <p:ext uri="{BB962C8B-B14F-4D97-AF65-F5344CB8AC3E}">
@@ -5997,6 +6593,7 @@
           <a:prstGeom prst="ellipse">
             <a:avLst/>
           </a:prstGeom>
+          <a:ln w="38100"/>
         </p:spPr>
         <p:style>
           <a:lnRef idx="2">
@@ -6020,11 +6617,11 @@
           <a:p>
             <a:pPr algn="ctr"/>
             <a:r>
-              <a:rPr lang="en-GB" dirty="0"/>
+              <a:rPr lang="en-GB" b="1" dirty="0"/>
               <a:t>S</a:t>
             </a:r>
             <a:r>
-              <a:rPr lang="en-GB" baseline="-25000" dirty="0"/>
+              <a:rPr lang="en-GB" b="1" baseline="-25000" dirty="0"/>
               <a:t>H</a:t>
             </a:r>
           </a:p>
@@ -6050,6 +6647,7 @@
           <a:prstGeom prst="ellipse">
             <a:avLst/>
           </a:prstGeom>
+          <a:ln w="38100"/>
         </p:spPr>
         <p:style>
           <a:lnRef idx="2">
@@ -6073,11 +6671,11 @@
           <a:p>
             <a:pPr algn="ctr"/>
             <a:r>
-              <a:rPr lang="en-GB" dirty="0"/>
+              <a:rPr lang="en-GB" b="1" dirty="0"/>
               <a:t>I</a:t>
             </a:r>
             <a:r>
-              <a:rPr lang="en-GB" baseline="-25000" dirty="0"/>
+              <a:rPr lang="en-GB" b="1" baseline="-25000" dirty="0"/>
               <a:t>SH</a:t>
             </a:r>
           </a:p>
@@ -6103,6 +6701,7 @@
           <a:prstGeom prst="ellipse">
             <a:avLst/>
           </a:prstGeom>
+          <a:ln w="38100"/>
         </p:spPr>
         <p:style>
           <a:lnRef idx="2">
@@ -6126,11 +6725,11 @@
           <a:p>
             <a:pPr algn="ctr"/>
             <a:r>
-              <a:rPr lang="en-GB" dirty="0"/>
+              <a:rPr lang="en-GB" b="1" dirty="0"/>
               <a:t>I</a:t>
             </a:r>
             <a:r>
-              <a:rPr lang="en-GB" baseline="-25000" dirty="0"/>
+              <a:rPr lang="en-GB" b="1" baseline="-25000" dirty="0"/>
               <a:t>RH</a:t>
             </a:r>
           </a:p>
@@ -6156,6 +6755,7 @@
           <a:prstGeom prst="rect">
             <a:avLst/>
           </a:prstGeom>
+          <a:ln w="38100"/>
         </p:spPr>
         <p:style>
           <a:lnRef idx="2">
@@ -6179,11 +6779,11 @@
           <a:p>
             <a:pPr algn="ctr"/>
             <a:r>
-              <a:rPr lang="en-GB" dirty="0"/>
+              <a:rPr lang="en-GB" b="1" dirty="0"/>
               <a:t>I</a:t>
             </a:r>
             <a:r>
-              <a:rPr lang="en-GB" baseline="-25000" dirty="0"/>
+              <a:rPr lang="en-GB" b="1" baseline="-25000" dirty="0"/>
               <a:t>SA</a:t>
             </a:r>
           </a:p>
@@ -6209,6 +6809,7 @@
           <a:prstGeom prst="rect">
             <a:avLst/>
           </a:prstGeom>
+          <a:ln w="38100"/>
         </p:spPr>
         <p:style>
           <a:lnRef idx="2">
@@ -6232,11 +6833,11 @@
           <a:p>
             <a:pPr algn="ctr"/>
             <a:r>
-              <a:rPr lang="en-GB" dirty="0"/>
+              <a:rPr lang="en-GB" b="1" dirty="0"/>
               <a:t>I</a:t>
             </a:r>
             <a:r>
-              <a:rPr lang="en-GB" baseline="-25000" dirty="0"/>
+              <a:rPr lang="en-GB" b="1" baseline="-25000" dirty="0"/>
               <a:t>RA</a:t>
             </a:r>
           </a:p>
@@ -6262,6 +6863,7 @@
           <a:prstGeom prst="rect">
             <a:avLst/>
           </a:prstGeom>
+          <a:ln w="38100"/>
         </p:spPr>
         <p:style>
           <a:lnRef idx="2">
@@ -6285,118 +6887,12 @@
           <a:p>
             <a:pPr algn="ctr"/>
             <a:r>
-              <a:rPr lang="en-GB" dirty="0"/>
+              <a:rPr lang="en-GB" b="1" dirty="0"/>
               <a:t>S</a:t>
             </a:r>
             <a:r>
-              <a:rPr lang="en-GB" baseline="-25000" dirty="0"/>
+              <a:rPr lang="en-GB" b="1" baseline="-25000" dirty="0"/>
               <a:t>A</a:t>
-            </a:r>
-          </a:p>
-        </p:txBody>
-      </p:sp>
-      <p:sp>
-        <p:nvSpPr>
-          <p:cNvPr id="124" name="Rectangle 123">
-            <a:extLst>
-              <a:ext uri="{FF2B5EF4-FFF2-40B4-BE49-F238E27FC236}">
-                <a16:creationId xmlns:a16="http://schemas.microsoft.com/office/drawing/2014/main" id="{EA04EBC3-2E65-4B31-B9D5-24798FA4C2F6}"/>
-              </a:ext>
-            </a:extLst>
-          </p:cNvPr>
-          <p:cNvSpPr/>
-          <p:nvPr/>
-        </p:nvSpPr>
-        <p:spPr>
-          <a:xfrm>
-            <a:off x="8830115" y="4833952"/>
-            <a:ext cx="914400" cy="914400"/>
-          </a:xfrm>
-          <a:prstGeom prst="rect">
-            <a:avLst/>
-          </a:prstGeom>
-        </p:spPr>
-        <p:style>
-          <a:lnRef idx="2">
-            <a:schemeClr val="dk1">
-              <a:shade val="50000"/>
-            </a:schemeClr>
-          </a:lnRef>
-          <a:fillRef idx="1">
-            <a:schemeClr val="dk1"/>
-          </a:fillRef>
-          <a:effectRef idx="0">
-            <a:schemeClr val="dk1"/>
-          </a:effectRef>
-          <a:fontRef idx="minor">
-            <a:schemeClr val="lt1"/>
-          </a:fontRef>
-        </p:style>
-        <p:txBody>
-          <a:bodyPr rtlCol="0" anchor="ctr"/>
-          <a:lstStyle/>
-          <a:p>
-            <a:pPr algn="ctr"/>
-            <a:r>
-              <a:rPr lang="en-GB" dirty="0"/>
-              <a:t>IMP</a:t>
-            </a:r>
-            <a:r>
-              <a:rPr lang="en-GB" baseline="-25000" dirty="0"/>
-              <a:t>RA</a:t>
-            </a:r>
-          </a:p>
-        </p:txBody>
-      </p:sp>
-      <p:sp>
-        <p:nvSpPr>
-          <p:cNvPr id="125" name="Rectangle 124">
-            <a:extLst>
-              <a:ext uri="{FF2B5EF4-FFF2-40B4-BE49-F238E27FC236}">
-                <a16:creationId xmlns:a16="http://schemas.microsoft.com/office/drawing/2014/main" id="{8AF7A824-32C5-4EC4-A664-A604545DE78C}"/>
-              </a:ext>
-            </a:extLst>
-          </p:cNvPr>
-          <p:cNvSpPr/>
-          <p:nvPr/>
-        </p:nvSpPr>
-        <p:spPr>
-          <a:xfrm>
-            <a:off x="8815304" y="1627227"/>
-            <a:ext cx="914400" cy="914400"/>
-          </a:xfrm>
-          <a:prstGeom prst="rect">
-            <a:avLst/>
-          </a:prstGeom>
-        </p:spPr>
-        <p:style>
-          <a:lnRef idx="2">
-            <a:schemeClr val="dk1">
-              <a:shade val="50000"/>
-            </a:schemeClr>
-          </a:lnRef>
-          <a:fillRef idx="1">
-            <a:schemeClr val="dk1"/>
-          </a:fillRef>
-          <a:effectRef idx="0">
-            <a:schemeClr val="dk1"/>
-          </a:effectRef>
-          <a:fontRef idx="minor">
-            <a:schemeClr val="lt1"/>
-          </a:fontRef>
-        </p:style>
-        <p:txBody>
-          <a:bodyPr rtlCol="0" anchor="ctr"/>
-          <a:lstStyle/>
-          <a:p>
-            <a:pPr algn="ctr"/>
-            <a:r>
-              <a:rPr lang="en-GB" dirty="0"/>
-              <a:t>IMP</a:t>
-            </a:r>
-            <a:r>
-              <a:rPr lang="en-GB" baseline="-25000" dirty="0"/>
-              <a:t>SA</a:t>
             </a:r>
           </a:p>
         </p:txBody>
@@ -6424,7 +6920,7 @@
           <a:prstGeom prst="straightConnector1">
             <a:avLst/>
           </a:prstGeom>
-          <a:ln w="19050">
+          <a:ln w="28575">
             <a:solidFill>
               <a:schemeClr val="accent1"/>
             </a:solidFill>
@@ -6471,7 +6967,7 @@
           <a:prstGeom prst="straightConnector1">
             <a:avLst/>
           </a:prstGeom>
-          <a:ln w="19050">
+          <a:ln w="28575">
             <a:solidFill>
               <a:schemeClr val="accent1"/>
             </a:solidFill>
@@ -6510,13 +7006,13 @@
         </p:nvCxnSpPr>
         <p:spPr>
           <a:xfrm>
-            <a:off x="3224213" y="2811780"/>
-            <a:ext cx="0" cy="1704975"/>
+            <a:off x="3224213" y="2843268"/>
+            <a:ext cx="0" cy="1657721"/>
           </a:xfrm>
           <a:prstGeom prst="straightConnector1">
             <a:avLst/>
           </a:prstGeom>
-          <a:ln>
+          <a:ln w="28575">
             <a:tailEnd type="triangle"/>
           </a:ln>
         </p:spPr>
@@ -6551,13 +7047,13 @@
         </p:nvCxnSpPr>
         <p:spPr>
           <a:xfrm>
-            <a:off x="3576638" y="2811780"/>
-            <a:ext cx="0" cy="1704975"/>
+            <a:off x="3576638" y="2843268"/>
+            <a:ext cx="0" cy="1657721"/>
           </a:xfrm>
           <a:prstGeom prst="straightConnector1">
             <a:avLst/>
           </a:prstGeom>
-          <a:ln>
+          <a:ln w="28575">
             <a:headEnd type="triangle"/>
             <a:tailEnd type="none"/>
           </a:ln>
@@ -6601,7 +7097,7 @@
               <a:gd name="adj1" fmla="val -33941"/>
             </a:avLst>
           </a:prstGeom>
-          <a:ln>
+          <a:ln w="28575">
             <a:tailEnd type="triangle"/>
           </a:ln>
         </p:spPr>
@@ -6646,7 +7142,7 @@
               <a:gd name="adj1" fmla="val -53005"/>
             </a:avLst>
           </a:prstGeom>
-          <a:ln>
+          <a:ln w="28575">
             <a:tailEnd type="triangle"/>
           </a:ln>
         </p:spPr>
@@ -6691,7 +7187,7 @@
               <a:gd name="adj1" fmla="val -25046"/>
             </a:avLst>
           </a:prstGeom>
-          <a:ln>
+          <a:ln w="28575">
             <a:tailEnd type="triangle"/>
           </a:ln>
         </p:spPr>
@@ -6732,7 +7228,7 @@
           <a:prstGeom prst="straightConnector1">
             <a:avLst/>
           </a:prstGeom>
-          <a:ln>
+          <a:ln w="28575">
             <a:solidFill>
               <a:schemeClr val="accent2"/>
             </a:solidFill>
@@ -6867,7 +7363,7 @@
           <a:prstGeom prst="straightConnector1">
             <a:avLst/>
           </a:prstGeom>
-          <a:ln>
+          <a:ln w="28575">
             <a:solidFill>
               <a:schemeClr val="accent2"/>
             </a:solidFill>
@@ -6906,13 +7402,14 @@
         </p:nvCxnSpPr>
         <p:spPr>
           <a:xfrm>
-            <a:off x="1758555" y="3941684"/>
-            <a:ext cx="1168003" cy="1294209"/>
+            <a:off x="1822605" y="4012655"/>
+            <a:ext cx="1103953" cy="1223238"/>
           </a:xfrm>
           <a:prstGeom prst="straightConnector1">
             <a:avLst/>
           </a:prstGeom>
-          <a:ln>
+          <a:ln w="28575">
+            <a:prstDash val="dash"/>
             <a:tailEnd type="triangle"/>
           </a:ln>
         </p:spPr>
@@ -6947,13 +7444,14 @@
         </p:nvCxnSpPr>
         <p:spPr>
           <a:xfrm flipV="1">
-            <a:off x="1758555" y="2104548"/>
-            <a:ext cx="1176339" cy="1281115"/>
+            <a:off x="1811764" y="2143907"/>
+            <a:ext cx="1112289" cy="1211359"/>
           </a:xfrm>
           <a:prstGeom prst="straightConnector1">
             <a:avLst/>
           </a:prstGeom>
-          <a:ln>
+          <a:ln w="28575">
+            <a:prstDash val="dash"/>
             <a:tailEnd type="triangle"/>
           </a:ln>
         </p:spPr>
@@ -7071,13 +7569,13 @@
         </p:nvCxnSpPr>
         <p:spPr>
           <a:xfrm>
-            <a:off x="6741318" y="3664266"/>
+            <a:off x="6754018" y="3664266"/>
             <a:ext cx="352424" cy="1"/>
           </a:xfrm>
           <a:prstGeom prst="straightConnector1">
             <a:avLst/>
           </a:prstGeom>
-          <a:ln>
+          <a:ln w="28575">
             <a:solidFill>
               <a:schemeClr val="accent2"/>
             </a:solidFill>
@@ -7115,13 +7613,13 @@
         </p:nvCxnSpPr>
         <p:spPr>
           <a:xfrm>
-            <a:off x="5460207" y="3664267"/>
+            <a:off x="5472907" y="3664267"/>
             <a:ext cx="352424" cy="1"/>
           </a:xfrm>
           <a:prstGeom prst="straightConnector1">
             <a:avLst/>
           </a:prstGeom>
-          <a:ln>
+          <a:ln w="28575">
             <a:solidFill>
               <a:schemeClr val="accent2"/>
             </a:solidFill>
@@ -7159,13 +7657,13 @@
         </p:nvCxnSpPr>
         <p:spPr>
           <a:xfrm>
-            <a:off x="3870724" y="2356961"/>
+            <a:off x="3883424" y="2356961"/>
             <a:ext cx="352424" cy="1"/>
           </a:xfrm>
           <a:prstGeom prst="straightConnector1">
             <a:avLst/>
           </a:prstGeom>
-          <a:ln>
+          <a:ln w="28575">
             <a:tailEnd type="triangle"/>
           </a:ln>
         </p:spPr>
@@ -7200,13 +7698,13 @@
         </p:nvCxnSpPr>
         <p:spPr>
           <a:xfrm>
-            <a:off x="3864771" y="4976336"/>
+            <a:off x="3877471" y="4976336"/>
             <a:ext cx="352424" cy="1"/>
           </a:xfrm>
           <a:prstGeom prst="straightConnector1">
             <a:avLst/>
           </a:prstGeom>
-          <a:ln>
+          <a:ln w="28575">
             <a:tailEnd type="triangle"/>
           </a:ln>
         </p:spPr>
@@ -7241,13 +7739,13 @@
         </p:nvCxnSpPr>
         <p:spPr>
           <a:xfrm>
-            <a:off x="6722269" y="1437798"/>
+            <a:off x="6760369" y="1437798"/>
             <a:ext cx="352424" cy="1"/>
           </a:xfrm>
           <a:prstGeom prst="straightConnector1">
             <a:avLst/>
           </a:prstGeom>
-          <a:ln>
+          <a:ln w="28575">
             <a:solidFill>
               <a:schemeClr val="accent2"/>
             </a:solidFill>
@@ -7285,13 +7783,13 @@
         </p:nvCxnSpPr>
         <p:spPr>
           <a:xfrm>
-            <a:off x="6722269" y="5885973"/>
+            <a:off x="6760369" y="5885973"/>
             <a:ext cx="352424" cy="1"/>
           </a:xfrm>
           <a:prstGeom prst="straightConnector1">
             <a:avLst/>
           </a:prstGeom>
-          <a:ln>
+          <a:ln w="28575">
             <a:solidFill>
               <a:schemeClr val="accent2"/>
             </a:solidFill>
@@ -7335,7 +7833,7 @@
           <a:prstGeom prst="straightConnector1">
             <a:avLst/>
           </a:prstGeom>
-          <a:ln w="19050">
+          <a:ln w="28575">
             <a:prstDash val="dash"/>
             <a:tailEnd type="triangle"/>
           </a:ln>
@@ -7377,7 +7875,7 @@
           <a:prstGeom prst="straightConnector1">
             <a:avLst/>
           </a:prstGeom>
-          <a:ln w="19050">
+          <a:ln w="38100">
             <a:prstDash val="dash"/>
             <a:tailEnd type="triangle"/>
           </a:ln>
@@ -7412,14 +7910,15 @@
           <p:nvPr/>
         </p:nvCxnSpPr>
         <p:spPr>
-          <a:xfrm flipH="1">
-            <a:off x="6219826" y="2092107"/>
-            <a:ext cx="2612230" cy="12442"/>
+          <a:xfrm flipH="1" flipV="1">
+            <a:off x="6219826" y="2104549"/>
+            <a:ext cx="2488403" cy="15834"/>
           </a:xfrm>
           <a:prstGeom prst="straightConnector1">
             <a:avLst/>
           </a:prstGeom>
-          <a:ln>
+          <a:ln w="28575">
+            <a:prstDash val="dash"/>
             <a:tailEnd type="triangle"/>
           </a:ln>
         </p:spPr>
@@ -7462,7 +7961,8 @@
           <a:prstGeom prst="straightConnector1">
             <a:avLst/>
           </a:prstGeom>
-          <a:ln>
+          <a:ln w="28575">
+            <a:prstDash val="dash"/>
             <a:tailEnd type="triangle"/>
           </a:ln>
         </p:spPr>
@@ -7498,7 +7998,7 @@
         <p:spPr>
           <a:xfrm>
             <a:off x="2144644" y="819945"/>
-            <a:ext cx="354584" cy="369332"/>
+            <a:ext cx="359394" cy="369332"/>
           </a:xfrm>
           <a:prstGeom prst="rect">
             <a:avLst/>
@@ -7512,11 +8012,11 @@
           <a:lstStyle/>
           <a:p>
             <a:r>
-              <a:rPr lang="en-GB" dirty="0"/>
+              <a:rPr lang="en-GB" b="1" dirty="0"/>
               <a:t>r</a:t>
             </a:r>
             <a:r>
-              <a:rPr lang="en-GB" baseline="-25000" dirty="0"/>
+              <a:rPr lang="en-GB" b="1" baseline="-25000" dirty="0"/>
               <a:t>A</a:t>
             </a:r>
           </a:p>
@@ -7537,7 +8037,7 @@
         <p:spPr>
           <a:xfrm>
             <a:off x="2117127" y="5769053"/>
-            <a:ext cx="354584" cy="369332"/>
+            <a:ext cx="359394" cy="369332"/>
           </a:xfrm>
           <a:prstGeom prst="rect">
             <a:avLst/>
@@ -7551,11 +8051,11 @@
           <a:lstStyle/>
           <a:p>
             <a:r>
-              <a:rPr lang="en-GB" dirty="0"/>
+              <a:rPr lang="en-GB" b="1" dirty="0"/>
               <a:t>r</a:t>
             </a:r>
             <a:r>
-              <a:rPr lang="en-GB" baseline="-25000" dirty="0"/>
+              <a:rPr lang="en-GB" b="1" baseline="-25000" dirty="0"/>
               <a:t>A</a:t>
             </a:r>
           </a:p>
@@ -7590,10 +8090,10 @@
           <a:lstStyle/>
           <a:p>
             <a:r>
-              <a:rPr lang="el-GR" dirty="0"/>
+              <a:rPr lang="el-GR" b="1" dirty="0"/>
               <a:t>τ</a:t>
             </a:r>
-            <a:endParaRPr lang="en-GB" dirty="0"/>
+            <a:endParaRPr lang="en-GB" b="1" dirty="0"/>
           </a:p>
         </p:txBody>
       </p:sp>
@@ -7612,7 +8112,7 @@
         <p:spPr>
           <a:xfrm>
             <a:off x="2213019" y="3052824"/>
-            <a:ext cx="487634" cy="369332"/>
+            <a:ext cx="497252" cy="369332"/>
           </a:xfrm>
           <a:prstGeom prst="rect">
             <a:avLst/>
@@ -7626,11 +8126,11 @@
           <a:lstStyle/>
           <a:p>
             <a:r>
-              <a:rPr lang="el-GR" dirty="0"/>
+              <a:rPr lang="el-GR" b="1" dirty="0"/>
               <a:t>β</a:t>
             </a:r>
             <a:r>
-              <a:rPr lang="en-GB" baseline="-25000" dirty="0"/>
+              <a:rPr lang="en-GB" b="1" baseline="-25000" dirty="0"/>
               <a:t>AA</a:t>
             </a:r>
           </a:p>
@@ -7651,7 +8151,7 @@
         <p:spPr>
           <a:xfrm>
             <a:off x="2190839" y="3864456"/>
-            <a:ext cx="619080" cy="369332"/>
+            <a:ext cx="633507" cy="369332"/>
           </a:xfrm>
           <a:prstGeom prst="rect">
             <a:avLst/>
@@ -7665,11 +8165,11 @@
           <a:lstStyle/>
           <a:p>
             <a:r>
-              <a:rPr lang="el-GR" dirty="0"/>
+              <a:rPr lang="el-GR" b="1" dirty="0"/>
               <a:t>αβ</a:t>
             </a:r>
             <a:r>
-              <a:rPr lang="en-GB" baseline="-25000" dirty="0"/>
+              <a:rPr lang="en-GB" b="1" baseline="-25000" dirty="0"/>
               <a:t>AA</a:t>
             </a:r>
           </a:p>
@@ -7690,7 +8190,7 @@
         <p:spPr>
           <a:xfrm>
             <a:off x="1983630" y="2312137"/>
-            <a:ext cx="473206" cy="369332"/>
+            <a:ext cx="426720" cy="369332"/>
           </a:xfrm>
           <a:prstGeom prst="rect">
             <a:avLst/>
@@ -7704,14 +8204,14 @@
           <a:lstStyle/>
           <a:p>
             <a:r>
-              <a:rPr lang="en-GB" dirty="0"/>
-              <a:t>½ </a:t>
-            </a:r>
-            <a:r>
-              <a:rPr lang="el-GR" dirty="0"/>
+              <a:rPr lang="en-GB" b="1" dirty="0" smtClean="0"/>
+              <a:t>½</a:t>
+            </a:r>
+            <a:r>
+              <a:rPr lang="el-GR" b="1" dirty="0" smtClean="0"/>
               <a:t>ζ</a:t>
             </a:r>
-            <a:endParaRPr lang="en-GB" dirty="0"/>
+            <a:endParaRPr lang="en-GB" b="1" dirty="0"/>
           </a:p>
         </p:txBody>
       </p:sp>
@@ -7730,7 +8230,7 @@
         <p:spPr>
           <a:xfrm>
             <a:off x="1960467" y="4607004"/>
-            <a:ext cx="551754" cy="369332"/>
+            <a:ext cx="562975" cy="369332"/>
           </a:xfrm>
           <a:prstGeom prst="rect">
             <a:avLst/>
@@ -7744,14 +8244,14 @@
           <a:lstStyle/>
           <a:p>
             <a:r>
-              <a:rPr lang="en-GB" dirty="0"/>
+              <a:rPr lang="en-GB" b="1" dirty="0"/>
               <a:t>½</a:t>
             </a:r>
             <a:r>
-              <a:rPr lang="el-GR" dirty="0"/>
+              <a:rPr lang="el-GR" b="1" dirty="0"/>
               <a:t>αζ</a:t>
             </a:r>
-            <a:endParaRPr lang="en-GB" dirty="0"/>
+            <a:endParaRPr lang="en-GB" b="1" dirty="0"/>
           </a:p>
         </p:txBody>
       </p:sp>
@@ -7770,7 +8270,7 @@
         <p:spPr>
           <a:xfrm>
             <a:off x="60158" y="3365299"/>
-            <a:ext cx="401072" cy="369332"/>
+            <a:ext cx="407484" cy="369332"/>
           </a:xfrm>
           <a:prstGeom prst="rect">
             <a:avLst/>
@@ -7784,11 +8284,11 @@
           <a:lstStyle/>
           <a:p>
             <a:r>
-              <a:rPr lang="el-GR" dirty="0"/>
+              <a:rPr lang="el-GR" b="1" dirty="0"/>
               <a:t>μ</a:t>
             </a:r>
             <a:r>
-              <a:rPr lang="en-GB" baseline="-25000" dirty="0"/>
+              <a:rPr lang="en-GB" b="1" baseline="-25000" dirty="0"/>
               <a:t>A</a:t>
             </a:r>
           </a:p>
@@ -7809,7 +8309,7 @@
         <p:spPr>
           <a:xfrm>
             <a:off x="44871" y="3661287"/>
-            <a:ext cx="401072" cy="369332"/>
+            <a:ext cx="407484" cy="369332"/>
           </a:xfrm>
           <a:prstGeom prst="rect">
             <a:avLst/>
@@ -7823,11 +8323,11 @@
           <a:lstStyle/>
           <a:p>
             <a:r>
-              <a:rPr lang="el-GR" dirty="0"/>
+              <a:rPr lang="el-GR" b="1" dirty="0"/>
               <a:t>μ</a:t>
             </a:r>
             <a:r>
-              <a:rPr lang="en-GB" baseline="-25000" dirty="0"/>
+              <a:rPr lang="en-GB" b="1" baseline="-25000" dirty="0"/>
               <a:t>A</a:t>
             </a:r>
           </a:p>
@@ -7847,8 +8347,8 @@
         </p:nvSpPr>
         <p:spPr>
           <a:xfrm>
-            <a:off x="4170042" y="2172295"/>
-            <a:ext cx="401072" cy="369332"/>
+            <a:off x="4182742" y="2172295"/>
+            <a:ext cx="407484" cy="369332"/>
           </a:xfrm>
           <a:prstGeom prst="rect">
             <a:avLst/>
@@ -7862,11 +8362,11 @@
           <a:lstStyle/>
           <a:p>
             <a:r>
-              <a:rPr lang="el-GR" dirty="0"/>
+              <a:rPr lang="el-GR" b="1" dirty="0"/>
               <a:t>μ</a:t>
             </a:r>
             <a:r>
-              <a:rPr lang="en-GB" baseline="-25000" dirty="0"/>
+              <a:rPr lang="en-GB" b="1" baseline="-25000" dirty="0"/>
               <a:t>A</a:t>
             </a:r>
           </a:p>
@@ -7886,8 +8386,8 @@
         </p:nvSpPr>
         <p:spPr>
           <a:xfrm>
-            <a:off x="4159325" y="4775121"/>
-            <a:ext cx="401072" cy="369332"/>
+            <a:off x="4172025" y="4775121"/>
+            <a:ext cx="407484" cy="369332"/>
           </a:xfrm>
           <a:prstGeom prst="rect">
             <a:avLst/>
@@ -7901,11 +8401,11 @@
           <a:lstStyle/>
           <a:p>
             <a:r>
-              <a:rPr lang="el-GR" dirty="0"/>
+              <a:rPr lang="el-GR" b="1" dirty="0"/>
               <a:t>μ</a:t>
             </a:r>
             <a:r>
-              <a:rPr lang="en-GB" baseline="-25000" dirty="0"/>
+              <a:rPr lang="en-GB" b="1" baseline="-25000" dirty="0"/>
               <a:t>A</a:t>
             </a:r>
           </a:p>
@@ -7926,7 +8426,7 @@
         <p:spPr>
           <a:xfrm>
             <a:off x="7074693" y="3462332"/>
-            <a:ext cx="407484" cy="369332"/>
+            <a:ext cx="412292" cy="369332"/>
           </a:xfrm>
           <a:prstGeom prst="rect">
             <a:avLst/>
@@ -7940,11 +8440,11 @@
           <a:lstStyle/>
           <a:p>
             <a:r>
-              <a:rPr lang="el-GR" dirty="0"/>
+              <a:rPr lang="el-GR" b="1" dirty="0"/>
               <a:t>μ</a:t>
             </a:r>
             <a:r>
-              <a:rPr lang="en-GB" baseline="-25000" dirty="0"/>
+              <a:rPr lang="en-GB" b="1" baseline="-25000" dirty="0"/>
               <a:t>H</a:t>
             </a:r>
           </a:p>
@@ -7964,8 +8464,8 @@
         </p:nvSpPr>
         <p:spPr>
           <a:xfrm>
-            <a:off x="5049191" y="3502396"/>
-            <a:ext cx="407484" cy="369332"/>
+            <a:off x="5086059" y="3498175"/>
+            <a:ext cx="412292" cy="369332"/>
           </a:xfrm>
           <a:prstGeom prst="rect">
             <a:avLst/>
@@ -7979,11 +8479,11 @@
           <a:lstStyle/>
           <a:p>
             <a:r>
-              <a:rPr lang="el-GR" dirty="0"/>
+              <a:rPr lang="el-GR" b="1" dirty="0"/>
               <a:t>μ</a:t>
             </a:r>
             <a:r>
-              <a:rPr lang="en-GB" baseline="-25000" dirty="0"/>
+              <a:rPr lang="en-GB" b="1" baseline="-25000" dirty="0"/>
               <a:t>H</a:t>
             </a:r>
           </a:p>
@@ -8003,8 +8503,8 @@
         </p:nvSpPr>
         <p:spPr>
           <a:xfrm>
-            <a:off x="7074693" y="5701307"/>
-            <a:ext cx="407484" cy="369332"/>
+            <a:off x="7074693" y="5644205"/>
+            <a:ext cx="412292" cy="369332"/>
           </a:xfrm>
           <a:prstGeom prst="rect">
             <a:avLst/>
@@ -8018,11 +8518,11 @@
           <a:lstStyle/>
           <a:p>
             <a:r>
-              <a:rPr lang="el-GR" dirty="0"/>
+              <a:rPr lang="el-GR" b="1" dirty="0"/>
               <a:t>μ</a:t>
             </a:r>
             <a:r>
-              <a:rPr lang="en-GB" baseline="-25000" dirty="0"/>
+              <a:rPr lang="en-GB" b="1" baseline="-25000" dirty="0"/>
               <a:t>H</a:t>
             </a:r>
           </a:p>
@@ -8042,8 +8542,8 @@
         </p:nvSpPr>
         <p:spPr>
           <a:xfrm>
-            <a:off x="7005637" y="1217176"/>
-            <a:ext cx="407484" cy="369332"/>
+            <a:off x="7043737" y="1217176"/>
+            <a:ext cx="412292" cy="369332"/>
           </a:xfrm>
           <a:prstGeom prst="rect">
             <a:avLst/>
@@ -8057,11 +8557,11 @@
           <a:lstStyle/>
           <a:p>
             <a:r>
-              <a:rPr lang="el-GR" dirty="0"/>
+              <a:rPr lang="el-GR" b="1" dirty="0"/>
               <a:t>μ</a:t>
             </a:r>
             <a:r>
-              <a:rPr lang="en-GB" baseline="-25000" dirty="0"/>
+              <a:rPr lang="en-GB" b="1" baseline="-25000" dirty="0"/>
               <a:t>H</a:t>
             </a:r>
           </a:p>
@@ -8082,7 +8582,7 @@
         <p:spPr>
           <a:xfrm>
             <a:off x="4614870" y="1685360"/>
-            <a:ext cx="780983" cy="369332"/>
+            <a:ext cx="797013" cy="369332"/>
           </a:xfrm>
           <a:prstGeom prst="rect">
             <a:avLst/>
@@ -8096,11 +8596,11 @@
           <a:lstStyle/>
           <a:p>
             <a:r>
-              <a:rPr lang="el-GR" dirty="0"/>
+              <a:rPr lang="el-GR" b="1" dirty="0"/>
               <a:t>ηψβ</a:t>
             </a:r>
             <a:r>
-              <a:rPr lang="en-GB" baseline="-25000" dirty="0"/>
+              <a:rPr lang="en-GB" b="1" baseline="-25000" dirty="0"/>
               <a:t>HA</a:t>
             </a:r>
           </a:p>
@@ -8121,7 +8621,7 @@
         <p:spPr>
           <a:xfrm>
             <a:off x="4652254" y="5261134"/>
-            <a:ext cx="912429" cy="369332"/>
+            <a:ext cx="933269" cy="369332"/>
           </a:xfrm>
           <a:prstGeom prst="rect">
             <a:avLst/>
@@ -8135,11 +8635,11 @@
           <a:lstStyle/>
           <a:p>
             <a:r>
-              <a:rPr lang="el-GR" dirty="0"/>
+              <a:rPr lang="el-GR" b="1" dirty="0"/>
               <a:t>ηψαβ</a:t>
             </a:r>
             <a:r>
-              <a:rPr lang="en-GB" baseline="-25000" dirty="0"/>
+              <a:rPr lang="en-GB" b="1" baseline="-25000" dirty="0"/>
               <a:t>HA</a:t>
             </a:r>
           </a:p>
@@ -8160,7 +8660,7 @@
         <p:spPr>
           <a:xfrm>
             <a:off x="7293603" y="1699374"/>
-            <a:ext cx="986167" cy="369332"/>
+            <a:ext cx="1003801" cy="369332"/>
           </a:xfrm>
           <a:prstGeom prst="rect">
             <a:avLst/>
@@ -8174,23 +8674,23 @@
           <a:lstStyle/>
           <a:p>
             <a:r>
-              <a:rPr lang="en-GB" dirty="0"/>
+              <a:rPr lang="en-GB" b="1" dirty="0"/>
               <a:t>(1-</a:t>
             </a:r>
             <a:r>
-              <a:rPr lang="el-GR" dirty="0"/>
+              <a:rPr lang="el-GR" b="1" dirty="0"/>
               <a:t>ψ</a:t>
             </a:r>
             <a:r>
-              <a:rPr lang="en-GB" dirty="0"/>
+              <a:rPr lang="en-GB" b="1" dirty="0"/>
               <a:t>)</a:t>
             </a:r>
             <a:r>
-              <a:rPr lang="el-GR" dirty="0"/>
+              <a:rPr lang="el-GR" b="1" dirty="0"/>
               <a:t>β</a:t>
             </a:r>
             <a:r>
-              <a:rPr lang="en-GB" baseline="-25000" dirty="0"/>
+              <a:rPr lang="en-GB" b="1" baseline="-25000" dirty="0"/>
               <a:t>HA</a:t>
             </a:r>
           </a:p>
@@ -8211,7 +8711,7 @@
         <p:spPr>
           <a:xfrm>
             <a:off x="7262342" y="5244109"/>
-            <a:ext cx="1117614" cy="369332"/>
+            <a:ext cx="1140056" cy="369332"/>
           </a:xfrm>
           <a:prstGeom prst="rect">
             <a:avLst/>
@@ -8225,23 +8725,23 @@
           <a:lstStyle/>
           <a:p>
             <a:r>
-              <a:rPr lang="en-GB" dirty="0"/>
+              <a:rPr lang="en-GB" b="1" dirty="0"/>
               <a:t>(1-</a:t>
             </a:r>
             <a:r>
-              <a:rPr lang="el-GR" dirty="0"/>
+              <a:rPr lang="el-GR" b="1" dirty="0"/>
               <a:t>ψ</a:t>
             </a:r>
             <a:r>
-              <a:rPr lang="en-GB" dirty="0"/>
+              <a:rPr lang="en-GB" b="1" dirty="0"/>
               <a:t>)</a:t>
             </a:r>
             <a:r>
-              <a:rPr lang="el-GR" dirty="0"/>
+              <a:rPr lang="el-GR" b="1" dirty="0"/>
               <a:t>αβ</a:t>
             </a:r>
             <a:r>
-              <a:rPr lang="en-GB" baseline="-25000" dirty="0"/>
+              <a:rPr lang="en-GB" b="1" baseline="-25000" dirty="0"/>
               <a:t>HA</a:t>
             </a:r>
           </a:p>
@@ -8276,11 +8776,11 @@
           <a:lstStyle/>
           <a:p>
             <a:r>
-              <a:rPr lang="en-GB" dirty="0"/>
+              <a:rPr lang="en-GB" b="1" dirty="0"/>
               <a:t>r</a:t>
             </a:r>
             <a:r>
-              <a:rPr lang="en-GB" baseline="-25000" dirty="0"/>
+              <a:rPr lang="en-GB" b="1" baseline="-25000" dirty="0"/>
               <a:t>H</a:t>
             </a:r>
           </a:p>
@@ -8315,11 +8815,11 @@
           <a:lstStyle/>
           <a:p>
             <a:r>
-              <a:rPr lang="en-GB" dirty="0"/>
+              <a:rPr lang="en-GB" b="1" dirty="0"/>
               <a:t>r</a:t>
             </a:r>
             <a:r>
-              <a:rPr lang="en-GB" baseline="-25000" dirty="0"/>
+              <a:rPr lang="en-GB" b="1" baseline="-25000" dirty="0"/>
               <a:t>H</a:t>
             </a:r>
           </a:p>
@@ -8354,10 +8854,10 @@
           <a:lstStyle/>
           <a:p>
             <a:r>
-              <a:rPr lang="el-GR" dirty="0"/>
+              <a:rPr lang="el-GR" b="1" dirty="0"/>
               <a:t>τθ</a:t>
             </a:r>
-            <a:endParaRPr lang="en-GB" dirty="0"/>
+            <a:endParaRPr lang="en-GB" b="1" dirty="0"/>
           </a:p>
         </p:txBody>
       </p:sp>
@@ -8376,7 +8876,7 @@
         <p:spPr>
           <a:xfrm>
             <a:off x="2908018" y="3431708"/>
-            <a:ext cx="335348" cy="369332"/>
+            <a:ext cx="346570" cy="369332"/>
           </a:xfrm>
           <a:prstGeom prst="rect">
             <a:avLst/>
@@ -8390,16 +8890,832 @@
           <a:lstStyle/>
           <a:p>
             <a:r>
-              <a:rPr lang="el-GR" dirty="0"/>
+              <a:rPr lang="el-GR" b="1" dirty="0"/>
               <a:t>φ</a:t>
             </a:r>
-            <a:endParaRPr lang="en-GB" dirty="0"/>
-          </a:p>
-        </p:txBody>
-      </p:sp>
-      <p:sp>
-        <p:nvSpPr>
-          <p:cNvPr id="179" name="TextBox 178">
+            <a:endParaRPr lang="en-GB" b="1" dirty="0"/>
+          </a:p>
+        </p:txBody>
+      </p:sp>
+      <p:sp>
+        <p:nvSpPr>
+          <p:cNvPr id="66" name="Rectangle 65">
+            <a:extLst>
+              <a:ext uri="{FF2B5EF4-FFF2-40B4-BE49-F238E27FC236}">
+                <a16:creationId xmlns:a16="http://schemas.microsoft.com/office/drawing/2014/main" id="{8AF7A824-32C5-4EC4-A664-A604545DE78C}"/>
+              </a:ext>
+            </a:extLst>
+          </p:cNvPr>
+          <p:cNvSpPr/>
+          <p:nvPr/>
+        </p:nvSpPr>
+        <p:spPr>
+          <a:xfrm>
+            <a:off x="11910933" y="521214"/>
+            <a:ext cx="904505" cy="919767"/>
+          </a:xfrm>
+          <a:prstGeom prst="rect">
+            <a:avLst/>
+          </a:prstGeom>
+          <a:ln w="38100"/>
+        </p:spPr>
+        <p:style>
+          <a:lnRef idx="2">
+            <a:schemeClr val="dk1">
+              <a:shade val="50000"/>
+            </a:schemeClr>
+          </a:lnRef>
+          <a:fillRef idx="1">
+            <a:schemeClr val="dk1"/>
+          </a:fillRef>
+          <a:effectRef idx="0">
+            <a:schemeClr val="dk1"/>
+          </a:effectRef>
+          <a:fontRef idx="minor">
+            <a:schemeClr val="lt1"/>
+          </a:fontRef>
+        </p:style>
+        <p:txBody>
+          <a:bodyPr rtlCol="0" anchor="ctr"/>
+          <a:lstStyle/>
+          <a:p>
+            <a:pPr algn="ctr"/>
+            <a:r>
+              <a:rPr lang="en-GB" b="1" dirty="0" smtClean="0"/>
+              <a:t>IMP</a:t>
+            </a:r>
+            <a:r>
+              <a:rPr lang="en-GB" b="1" baseline="-25000" dirty="0" smtClean="0"/>
+              <a:t>ISA1</a:t>
+            </a:r>
+            <a:endParaRPr lang="en-GB" b="1" baseline="-25000" dirty="0"/>
+          </a:p>
+        </p:txBody>
+      </p:sp>
+      <p:sp>
+        <p:nvSpPr>
+          <p:cNvPr id="76" name="Rectangle 75">
+            <a:extLst>
+              <a:ext uri="{FF2B5EF4-FFF2-40B4-BE49-F238E27FC236}">
+                <a16:creationId xmlns:a16="http://schemas.microsoft.com/office/drawing/2014/main" id="{8AF7A824-32C5-4EC4-A664-A604545DE78C}"/>
+              </a:ext>
+            </a:extLst>
+          </p:cNvPr>
+          <p:cNvSpPr/>
+          <p:nvPr/>
+        </p:nvSpPr>
+        <p:spPr>
+          <a:xfrm>
+            <a:off x="11910933" y="2510901"/>
+            <a:ext cx="904505" cy="919767"/>
+          </a:xfrm>
+          <a:prstGeom prst="rect">
+            <a:avLst/>
+          </a:prstGeom>
+          <a:ln w="38100"/>
+        </p:spPr>
+        <p:style>
+          <a:lnRef idx="2">
+            <a:schemeClr val="dk1">
+              <a:shade val="50000"/>
+            </a:schemeClr>
+          </a:lnRef>
+          <a:fillRef idx="1">
+            <a:schemeClr val="dk1"/>
+          </a:fillRef>
+          <a:effectRef idx="0">
+            <a:schemeClr val="dk1"/>
+          </a:effectRef>
+          <a:fontRef idx="minor">
+            <a:schemeClr val="lt1"/>
+          </a:fontRef>
+        </p:style>
+        <p:txBody>
+          <a:bodyPr rtlCol="0" anchor="ctr"/>
+          <a:lstStyle/>
+          <a:p>
+            <a:pPr algn="ctr"/>
+            <a:r>
+              <a:rPr lang="en-GB" b="1" dirty="0" err="1" smtClean="0"/>
+              <a:t>IMP</a:t>
+            </a:r>
+            <a:r>
+              <a:rPr lang="en-GB" b="1" baseline="-25000" dirty="0" err="1"/>
+              <a:t>ISAn</a:t>
+            </a:r>
+            <a:endParaRPr lang="en-GB" b="1" baseline="-25000" dirty="0"/>
+          </a:p>
+        </p:txBody>
+      </p:sp>
+      <p:sp>
+        <p:nvSpPr>
+          <p:cNvPr id="77" name="Rectangle 76">
+            <a:extLst>
+              <a:ext uri="{FF2B5EF4-FFF2-40B4-BE49-F238E27FC236}">
+                <a16:creationId xmlns:a16="http://schemas.microsoft.com/office/drawing/2014/main" id="{8AF7A824-32C5-4EC4-A664-A604545DE78C}"/>
+              </a:ext>
+            </a:extLst>
+          </p:cNvPr>
+          <p:cNvSpPr/>
+          <p:nvPr/>
+        </p:nvSpPr>
+        <p:spPr>
+          <a:xfrm>
+            <a:off x="11910933" y="1508337"/>
+            <a:ext cx="904505" cy="919767"/>
+          </a:xfrm>
+          <a:prstGeom prst="rect">
+            <a:avLst/>
+          </a:prstGeom>
+          <a:ln w="38100"/>
+        </p:spPr>
+        <p:style>
+          <a:lnRef idx="2">
+            <a:schemeClr val="dk1">
+              <a:shade val="50000"/>
+            </a:schemeClr>
+          </a:lnRef>
+          <a:fillRef idx="1">
+            <a:schemeClr val="dk1"/>
+          </a:fillRef>
+          <a:effectRef idx="0">
+            <a:schemeClr val="dk1"/>
+          </a:effectRef>
+          <a:fontRef idx="minor">
+            <a:schemeClr val="lt1"/>
+          </a:fontRef>
+        </p:style>
+        <p:txBody>
+          <a:bodyPr rtlCol="0" anchor="ctr"/>
+          <a:lstStyle/>
+          <a:p>
+            <a:pPr algn="ctr"/>
+            <a:r>
+              <a:rPr lang="en-GB" b="1" dirty="0" smtClean="0"/>
+              <a:t>IMP</a:t>
+            </a:r>
+            <a:r>
+              <a:rPr lang="en-GB" b="1" baseline="-25000" dirty="0"/>
+              <a:t>ISA</a:t>
+            </a:r>
+            <a:r>
+              <a:rPr lang="en-GB" b="1" baseline="-25000" dirty="0" smtClean="0"/>
+              <a:t>…</a:t>
+            </a:r>
+            <a:endParaRPr lang="en-GB" b="1" baseline="-25000" dirty="0"/>
+          </a:p>
+        </p:txBody>
+      </p:sp>
+      <p:cxnSp>
+        <p:nvCxnSpPr>
+          <p:cNvPr id="6" name="Straight Arrow Connector 5"/>
+          <p:cNvCxnSpPr>
+            <a:stCxn id="66" idx="1"/>
+          </p:cNvCxnSpPr>
+          <p:nvPr/>
+        </p:nvCxnSpPr>
+        <p:spPr>
+          <a:xfrm flipH="1">
+            <a:off x="9744515" y="981098"/>
+            <a:ext cx="2166418" cy="888928"/>
+          </a:xfrm>
+          <a:prstGeom prst="straightConnector1">
+            <a:avLst/>
+          </a:prstGeom>
+          <a:ln w="28575">
+            <a:tailEnd type="triangle"/>
+          </a:ln>
+        </p:spPr>
+        <p:style>
+          <a:lnRef idx="1">
+            <a:schemeClr val="dk1"/>
+          </a:lnRef>
+          <a:fillRef idx="0">
+            <a:schemeClr val="dk1"/>
+          </a:fillRef>
+          <a:effectRef idx="0">
+            <a:schemeClr val="dk1"/>
+          </a:effectRef>
+          <a:fontRef idx="minor">
+            <a:schemeClr val="tx1"/>
+          </a:fontRef>
+        </p:style>
+      </p:cxnSp>
+      <p:cxnSp>
+        <p:nvCxnSpPr>
+          <p:cNvPr id="83" name="Straight Arrow Connector 82"/>
+          <p:cNvCxnSpPr>
+            <a:stCxn id="77" idx="1"/>
+          </p:cNvCxnSpPr>
+          <p:nvPr/>
+        </p:nvCxnSpPr>
+        <p:spPr>
+          <a:xfrm flipH="1">
+            <a:off x="9729704" y="1968221"/>
+            <a:ext cx="2181229" cy="116206"/>
+          </a:xfrm>
+          <a:prstGeom prst="straightConnector1">
+            <a:avLst/>
+          </a:prstGeom>
+          <a:ln w="28575">
+            <a:tailEnd type="triangle"/>
+          </a:ln>
+        </p:spPr>
+        <p:style>
+          <a:lnRef idx="1">
+            <a:schemeClr val="dk1"/>
+          </a:lnRef>
+          <a:fillRef idx="0">
+            <a:schemeClr val="dk1"/>
+          </a:fillRef>
+          <a:effectRef idx="0">
+            <a:schemeClr val="dk1"/>
+          </a:effectRef>
+          <a:fontRef idx="minor">
+            <a:schemeClr val="tx1"/>
+          </a:fontRef>
+        </p:style>
+      </p:cxnSp>
+      <p:cxnSp>
+        <p:nvCxnSpPr>
+          <p:cNvPr id="86" name="Straight Arrow Connector 85"/>
+          <p:cNvCxnSpPr/>
+          <p:nvPr/>
+        </p:nvCxnSpPr>
+        <p:spPr>
+          <a:xfrm flipH="1" flipV="1">
+            <a:off x="9740729" y="2256265"/>
+            <a:ext cx="2207986" cy="714519"/>
+          </a:xfrm>
+          <a:prstGeom prst="straightConnector1">
+            <a:avLst/>
+          </a:prstGeom>
+          <a:ln w="28575">
+            <a:tailEnd type="triangle"/>
+          </a:ln>
+        </p:spPr>
+        <p:style>
+          <a:lnRef idx="1">
+            <a:schemeClr val="dk1"/>
+          </a:lnRef>
+          <a:fillRef idx="0">
+            <a:schemeClr val="dk1"/>
+          </a:fillRef>
+          <a:effectRef idx="0">
+            <a:schemeClr val="dk1"/>
+          </a:effectRef>
+          <a:fontRef idx="minor">
+            <a:schemeClr val="tx1"/>
+          </a:fontRef>
+        </p:style>
+      </p:cxnSp>
+      <p:sp>
+        <p:nvSpPr>
+          <p:cNvPr id="17" name="TextBox 16"/>
+          <p:cNvSpPr txBox="1"/>
+          <p:nvPr/>
+        </p:nvSpPr>
+        <p:spPr>
+          <a:xfrm>
+            <a:off x="7409001" y="2859034"/>
+            <a:ext cx="3983382" cy="369332"/>
+          </a:xfrm>
+          <a:prstGeom prst="rect">
+            <a:avLst/>
+          </a:prstGeom>
+          <a:noFill/>
+        </p:spPr>
+        <p:txBody>
+          <a:bodyPr wrap="square" rtlCol="0">
+            <a:spAutoFit/>
+          </a:bodyPr>
+          <a:lstStyle/>
+          <a:p>
+            <a:r>
+              <a:rPr lang="en-GB" b="1" dirty="0" err="1" smtClean="0"/>
+              <a:t>IMP</a:t>
+            </a:r>
+            <a:r>
+              <a:rPr lang="en-GB" b="1" baseline="-25000" dirty="0" err="1" smtClean="0"/>
+              <a:t>ISAn</a:t>
+            </a:r>
+            <a:r>
+              <a:rPr lang="en-GB" b="1" dirty="0" smtClean="0"/>
+              <a:t> = </a:t>
+            </a:r>
+            <a:r>
+              <a:rPr lang="en-GB" b="1" dirty="0" err="1" smtClean="0"/>
+              <a:t>Frac</a:t>
+            </a:r>
+            <a:r>
+              <a:rPr lang="en-GB" b="1" baseline="-25000" dirty="0" err="1" smtClean="0"/>
+              <a:t>Impn</a:t>
+            </a:r>
+            <a:r>
+              <a:rPr lang="en-GB" b="1" dirty="0" smtClean="0"/>
+              <a:t>(1-PropRes</a:t>
+            </a:r>
+            <a:r>
+              <a:rPr lang="en-GB" b="1" baseline="-25000" dirty="0" smtClean="0"/>
+              <a:t>Impn</a:t>
+            </a:r>
+            <a:r>
+              <a:rPr lang="en-GB" b="1" dirty="0" smtClean="0"/>
+              <a:t>)</a:t>
+            </a:r>
+            <a:r>
+              <a:rPr lang="en-GB" b="1" dirty="0" err="1" smtClean="0"/>
+              <a:t>Share</a:t>
+            </a:r>
+            <a:r>
+              <a:rPr lang="en-GB" b="1" baseline="-25000" dirty="0" err="1"/>
+              <a:t>n</a:t>
+            </a:r>
+            <a:endParaRPr lang="en-GB" b="1" baseline="-25000" dirty="0"/>
+          </a:p>
+        </p:txBody>
+      </p:sp>
+      <p:sp>
+        <p:nvSpPr>
+          <p:cNvPr id="111" name="Rectangle 110">
+            <a:extLst>
+              <a:ext uri="{FF2B5EF4-FFF2-40B4-BE49-F238E27FC236}">
+                <a16:creationId xmlns:a16="http://schemas.microsoft.com/office/drawing/2014/main" id="{8AF7A824-32C5-4EC4-A664-A604545DE78C}"/>
+              </a:ext>
+            </a:extLst>
+          </p:cNvPr>
+          <p:cNvSpPr/>
+          <p:nvPr/>
+        </p:nvSpPr>
+        <p:spPr>
+          <a:xfrm>
+            <a:off x="11910933" y="3779366"/>
+            <a:ext cx="904505" cy="919767"/>
+          </a:xfrm>
+          <a:prstGeom prst="rect">
+            <a:avLst/>
+          </a:prstGeom>
+          <a:ln w="38100"/>
+        </p:spPr>
+        <p:style>
+          <a:lnRef idx="2">
+            <a:schemeClr val="dk1">
+              <a:shade val="50000"/>
+            </a:schemeClr>
+          </a:lnRef>
+          <a:fillRef idx="1">
+            <a:schemeClr val="dk1"/>
+          </a:fillRef>
+          <a:effectRef idx="0">
+            <a:schemeClr val="dk1"/>
+          </a:effectRef>
+          <a:fontRef idx="minor">
+            <a:schemeClr val="lt1"/>
+          </a:fontRef>
+        </p:style>
+        <p:txBody>
+          <a:bodyPr rtlCol="0" anchor="ctr"/>
+          <a:lstStyle/>
+          <a:p>
+            <a:pPr algn="ctr"/>
+            <a:r>
+              <a:rPr lang="en-GB" b="1" dirty="0" smtClean="0"/>
+              <a:t>IMP</a:t>
+            </a:r>
+            <a:r>
+              <a:rPr lang="en-GB" b="1" baseline="-25000" dirty="0" smtClean="0"/>
+              <a:t>IR</a:t>
+            </a:r>
+            <a:r>
+              <a:rPr lang="en-GB" b="1" baseline="-25000" dirty="0" smtClean="0"/>
+              <a:t>A1</a:t>
+            </a:r>
+            <a:endParaRPr lang="en-GB" b="1" baseline="-25000" dirty="0"/>
+          </a:p>
+        </p:txBody>
+      </p:sp>
+      <p:sp>
+        <p:nvSpPr>
+          <p:cNvPr id="112" name="Rectangle 111">
+            <a:extLst>
+              <a:ext uri="{FF2B5EF4-FFF2-40B4-BE49-F238E27FC236}">
+                <a16:creationId xmlns:a16="http://schemas.microsoft.com/office/drawing/2014/main" id="{8AF7A824-32C5-4EC4-A664-A604545DE78C}"/>
+              </a:ext>
+            </a:extLst>
+          </p:cNvPr>
+          <p:cNvSpPr/>
+          <p:nvPr/>
+        </p:nvSpPr>
+        <p:spPr>
+          <a:xfrm>
+            <a:off x="11910933" y="5769053"/>
+            <a:ext cx="904505" cy="919767"/>
+          </a:xfrm>
+          <a:prstGeom prst="rect">
+            <a:avLst/>
+          </a:prstGeom>
+          <a:ln w="38100"/>
+        </p:spPr>
+        <p:style>
+          <a:lnRef idx="2">
+            <a:schemeClr val="dk1">
+              <a:shade val="50000"/>
+            </a:schemeClr>
+          </a:lnRef>
+          <a:fillRef idx="1">
+            <a:schemeClr val="dk1"/>
+          </a:fillRef>
+          <a:effectRef idx="0">
+            <a:schemeClr val="dk1"/>
+          </a:effectRef>
+          <a:fontRef idx="minor">
+            <a:schemeClr val="lt1"/>
+          </a:fontRef>
+        </p:style>
+        <p:txBody>
+          <a:bodyPr rtlCol="0" anchor="ctr"/>
+          <a:lstStyle/>
+          <a:p>
+            <a:pPr algn="ctr"/>
+            <a:r>
+              <a:rPr lang="en-GB" b="1" dirty="0" err="1" smtClean="0"/>
+              <a:t>IMP</a:t>
+            </a:r>
+            <a:r>
+              <a:rPr lang="en-GB" b="1" baseline="-25000" dirty="0" err="1" smtClean="0"/>
+              <a:t>IR</a:t>
+            </a:r>
+            <a:r>
+              <a:rPr lang="en-GB" b="1" baseline="-25000" dirty="0" err="1" smtClean="0"/>
+              <a:t>An</a:t>
+            </a:r>
+            <a:endParaRPr lang="en-GB" b="1" baseline="-25000" dirty="0"/>
+          </a:p>
+        </p:txBody>
+      </p:sp>
+      <p:sp>
+        <p:nvSpPr>
+          <p:cNvPr id="113" name="Rectangle 112">
+            <a:extLst>
+              <a:ext uri="{FF2B5EF4-FFF2-40B4-BE49-F238E27FC236}">
+                <a16:creationId xmlns:a16="http://schemas.microsoft.com/office/drawing/2014/main" id="{8AF7A824-32C5-4EC4-A664-A604545DE78C}"/>
+              </a:ext>
+            </a:extLst>
+          </p:cNvPr>
+          <p:cNvSpPr/>
+          <p:nvPr/>
+        </p:nvSpPr>
+        <p:spPr>
+          <a:xfrm>
+            <a:off x="11910933" y="4766489"/>
+            <a:ext cx="904505" cy="919767"/>
+          </a:xfrm>
+          <a:prstGeom prst="rect">
+            <a:avLst/>
+          </a:prstGeom>
+          <a:ln w="38100"/>
+        </p:spPr>
+        <p:style>
+          <a:lnRef idx="2">
+            <a:schemeClr val="dk1">
+              <a:shade val="50000"/>
+            </a:schemeClr>
+          </a:lnRef>
+          <a:fillRef idx="1">
+            <a:schemeClr val="dk1"/>
+          </a:fillRef>
+          <a:effectRef idx="0">
+            <a:schemeClr val="dk1"/>
+          </a:effectRef>
+          <a:fontRef idx="minor">
+            <a:schemeClr val="lt1"/>
+          </a:fontRef>
+        </p:style>
+        <p:txBody>
+          <a:bodyPr rtlCol="0" anchor="ctr"/>
+          <a:lstStyle/>
+          <a:p>
+            <a:pPr algn="ctr"/>
+            <a:r>
+              <a:rPr lang="en-GB" b="1" dirty="0" smtClean="0"/>
+              <a:t>IMP</a:t>
+            </a:r>
+            <a:r>
+              <a:rPr lang="en-GB" b="1" baseline="-25000" dirty="0" smtClean="0"/>
+              <a:t>IR</a:t>
+            </a:r>
+            <a:r>
+              <a:rPr lang="en-GB" b="1" baseline="-25000" dirty="0" smtClean="0"/>
+              <a:t>A…</a:t>
+            </a:r>
+            <a:endParaRPr lang="en-GB" b="1" baseline="-25000" dirty="0"/>
+          </a:p>
+        </p:txBody>
+      </p:sp>
+      <p:cxnSp>
+        <p:nvCxnSpPr>
+          <p:cNvPr id="114" name="Straight Arrow Connector 113"/>
+          <p:cNvCxnSpPr>
+            <a:stCxn id="111" idx="1"/>
+          </p:cNvCxnSpPr>
+          <p:nvPr/>
+        </p:nvCxnSpPr>
+        <p:spPr>
+          <a:xfrm flipH="1">
+            <a:off x="9744515" y="4239250"/>
+            <a:ext cx="2166418" cy="888928"/>
+          </a:xfrm>
+          <a:prstGeom prst="straightConnector1">
+            <a:avLst/>
+          </a:prstGeom>
+          <a:ln w="28575">
+            <a:tailEnd type="triangle"/>
+          </a:ln>
+        </p:spPr>
+        <p:style>
+          <a:lnRef idx="1">
+            <a:schemeClr val="dk1"/>
+          </a:lnRef>
+          <a:fillRef idx="0">
+            <a:schemeClr val="dk1"/>
+          </a:fillRef>
+          <a:effectRef idx="0">
+            <a:schemeClr val="dk1"/>
+          </a:effectRef>
+          <a:fontRef idx="minor">
+            <a:schemeClr val="tx1"/>
+          </a:fontRef>
+        </p:style>
+      </p:cxnSp>
+      <p:cxnSp>
+        <p:nvCxnSpPr>
+          <p:cNvPr id="115" name="Straight Arrow Connector 114"/>
+          <p:cNvCxnSpPr>
+            <a:stCxn id="113" idx="1"/>
+          </p:cNvCxnSpPr>
+          <p:nvPr/>
+        </p:nvCxnSpPr>
+        <p:spPr>
+          <a:xfrm flipH="1">
+            <a:off x="9729704" y="5226373"/>
+            <a:ext cx="2181229" cy="116206"/>
+          </a:xfrm>
+          <a:prstGeom prst="straightConnector1">
+            <a:avLst/>
+          </a:prstGeom>
+          <a:ln w="28575">
+            <a:tailEnd type="triangle"/>
+          </a:ln>
+        </p:spPr>
+        <p:style>
+          <a:lnRef idx="1">
+            <a:schemeClr val="dk1"/>
+          </a:lnRef>
+          <a:fillRef idx="0">
+            <a:schemeClr val="dk1"/>
+          </a:fillRef>
+          <a:effectRef idx="0">
+            <a:schemeClr val="dk1"/>
+          </a:effectRef>
+          <a:fontRef idx="minor">
+            <a:schemeClr val="tx1"/>
+          </a:fontRef>
+        </p:style>
+      </p:cxnSp>
+      <p:cxnSp>
+        <p:nvCxnSpPr>
+          <p:cNvPr id="116" name="Straight Arrow Connector 115"/>
+          <p:cNvCxnSpPr/>
+          <p:nvPr/>
+        </p:nvCxnSpPr>
+        <p:spPr>
+          <a:xfrm flipH="1" flipV="1">
+            <a:off x="9740729" y="5514417"/>
+            <a:ext cx="2207986" cy="714519"/>
+          </a:xfrm>
+          <a:prstGeom prst="straightConnector1">
+            <a:avLst/>
+          </a:prstGeom>
+          <a:ln w="28575">
+            <a:tailEnd type="triangle"/>
+          </a:ln>
+        </p:spPr>
+        <p:style>
+          <a:lnRef idx="1">
+            <a:schemeClr val="dk1"/>
+          </a:lnRef>
+          <a:fillRef idx="0">
+            <a:schemeClr val="dk1"/>
+          </a:fillRef>
+          <a:effectRef idx="0">
+            <a:schemeClr val="dk1"/>
+          </a:effectRef>
+          <a:fontRef idx="minor">
+            <a:schemeClr val="tx1"/>
+          </a:fontRef>
+        </p:style>
+      </p:cxnSp>
+      <p:sp>
+        <p:nvSpPr>
+          <p:cNvPr id="120" name="Rectangle 119">
+            <a:extLst>
+              <a:ext uri="{FF2B5EF4-FFF2-40B4-BE49-F238E27FC236}">
+                <a16:creationId xmlns:a16="http://schemas.microsoft.com/office/drawing/2014/main" id="{8AF7A824-32C5-4EC4-A664-A604545DE78C}"/>
+              </a:ext>
+            </a:extLst>
+          </p:cNvPr>
+          <p:cNvSpPr/>
+          <p:nvPr/>
+        </p:nvSpPr>
+        <p:spPr>
+          <a:xfrm>
+            <a:off x="8605446" y="1535570"/>
+            <a:ext cx="1128796" cy="1128796"/>
+          </a:xfrm>
+          <a:prstGeom prst="rect">
+            <a:avLst/>
+          </a:prstGeom>
+          <a:ln w="38100"/>
+        </p:spPr>
+        <p:style>
+          <a:lnRef idx="2">
+            <a:schemeClr val="dk1">
+              <a:shade val="50000"/>
+            </a:schemeClr>
+          </a:lnRef>
+          <a:fillRef idx="1">
+            <a:schemeClr val="dk1"/>
+          </a:fillRef>
+          <a:effectRef idx="0">
+            <a:schemeClr val="dk1"/>
+          </a:effectRef>
+          <a:fontRef idx="minor">
+            <a:schemeClr val="lt1"/>
+          </a:fontRef>
+        </p:style>
+        <p:txBody>
+          <a:bodyPr rtlCol="0" anchor="ctr"/>
+          <a:lstStyle/>
+          <a:p>
+            <a:pPr algn="ctr"/>
+            <a:r>
+              <a:rPr lang="en-GB" b="1" dirty="0" smtClean="0"/>
+              <a:t>Overall </a:t>
+            </a:r>
+          </a:p>
+          <a:p>
+            <a:pPr algn="ctr"/>
+            <a:r>
+              <a:rPr lang="en-GB" b="1" dirty="0" smtClean="0"/>
+              <a:t>Imported </a:t>
+            </a:r>
+          </a:p>
+          <a:p>
+            <a:pPr algn="ctr"/>
+            <a:r>
+              <a:rPr lang="en-GB" b="1" dirty="0" smtClean="0"/>
+              <a:t>I</a:t>
+            </a:r>
+            <a:r>
+              <a:rPr lang="en-GB" b="1" baseline="-25000" dirty="0" smtClean="0"/>
+              <a:t>SA</a:t>
+            </a:r>
+          </a:p>
+        </p:txBody>
+      </p:sp>
+      <p:sp>
+        <p:nvSpPr>
+          <p:cNvPr id="170" name="Rectangle 169">
+            <a:extLst>
+              <a:ext uri="{FF2B5EF4-FFF2-40B4-BE49-F238E27FC236}">
+                <a16:creationId xmlns:a16="http://schemas.microsoft.com/office/drawing/2014/main" id="{8AF7A824-32C5-4EC4-A664-A604545DE78C}"/>
+              </a:ext>
+            </a:extLst>
+          </p:cNvPr>
+          <p:cNvSpPr/>
+          <p:nvPr/>
+        </p:nvSpPr>
+        <p:spPr>
+          <a:xfrm>
+            <a:off x="8605446" y="4700075"/>
+            <a:ext cx="1128796" cy="1128796"/>
+          </a:xfrm>
+          <a:prstGeom prst="rect">
+            <a:avLst/>
+          </a:prstGeom>
+          <a:ln w="38100"/>
+        </p:spPr>
+        <p:style>
+          <a:lnRef idx="2">
+            <a:schemeClr val="dk1">
+              <a:shade val="50000"/>
+            </a:schemeClr>
+          </a:lnRef>
+          <a:fillRef idx="1">
+            <a:schemeClr val="dk1"/>
+          </a:fillRef>
+          <a:effectRef idx="0">
+            <a:schemeClr val="dk1"/>
+          </a:effectRef>
+          <a:fontRef idx="minor">
+            <a:schemeClr val="lt1"/>
+          </a:fontRef>
+        </p:style>
+        <p:txBody>
+          <a:bodyPr rtlCol="0" anchor="ctr"/>
+          <a:lstStyle/>
+          <a:p>
+            <a:pPr algn="ctr"/>
+            <a:r>
+              <a:rPr lang="en-GB" b="1" dirty="0" smtClean="0"/>
+              <a:t>Overall</a:t>
+            </a:r>
+          </a:p>
+          <a:p>
+            <a:pPr algn="ctr"/>
+            <a:r>
+              <a:rPr lang="en-GB" b="1" dirty="0" smtClean="0"/>
+              <a:t>Imported </a:t>
+            </a:r>
+          </a:p>
+          <a:p>
+            <a:pPr algn="ctr"/>
+            <a:r>
+              <a:rPr lang="en-GB" b="1" dirty="0" smtClean="0"/>
+              <a:t>I</a:t>
+            </a:r>
+            <a:r>
+              <a:rPr lang="en-GB" b="1" baseline="-25000" dirty="0" smtClean="0"/>
+              <a:t>RA</a:t>
+            </a:r>
+          </a:p>
+        </p:txBody>
+      </p:sp>
+      <p:sp>
+        <p:nvSpPr>
+          <p:cNvPr id="171" name="TextBox 170"/>
+          <p:cNvSpPr txBox="1"/>
+          <p:nvPr/>
+        </p:nvSpPr>
+        <p:spPr>
+          <a:xfrm>
+            <a:off x="7435881" y="4197170"/>
+            <a:ext cx="3983382" cy="369332"/>
+          </a:xfrm>
+          <a:prstGeom prst="rect">
+            <a:avLst/>
+          </a:prstGeom>
+          <a:noFill/>
+        </p:spPr>
+        <p:txBody>
+          <a:bodyPr wrap="square" rtlCol="0">
+            <a:spAutoFit/>
+          </a:bodyPr>
+          <a:lstStyle/>
+          <a:p>
+            <a:r>
+              <a:rPr lang="en-GB" b="1" dirty="0" err="1" smtClean="0"/>
+              <a:t>IMP</a:t>
+            </a:r>
+            <a:r>
+              <a:rPr lang="en-GB" b="1" baseline="-25000" dirty="0" err="1" smtClean="0"/>
+              <a:t>IRAn</a:t>
+            </a:r>
+            <a:r>
+              <a:rPr lang="en-GB" b="1" dirty="0" smtClean="0"/>
+              <a:t> = </a:t>
+            </a:r>
+            <a:r>
+              <a:rPr lang="en-GB" b="1" dirty="0" err="1" smtClean="0"/>
+              <a:t>Frac</a:t>
+            </a:r>
+            <a:r>
+              <a:rPr lang="en-GB" b="1" baseline="-25000" dirty="0" err="1" smtClean="0"/>
+              <a:t>Impn</a:t>
+            </a:r>
+            <a:r>
+              <a:rPr lang="en-GB" b="1" dirty="0" err="1" smtClean="0"/>
+              <a:t>PropRes</a:t>
+            </a:r>
+            <a:r>
+              <a:rPr lang="en-GB" b="1" baseline="-25000" dirty="0" err="1" smtClean="0"/>
+              <a:t>Impn</a:t>
+            </a:r>
+            <a:r>
+              <a:rPr lang="en-GB" b="1" dirty="0" err="1" smtClean="0"/>
+              <a:t>Share</a:t>
+            </a:r>
+            <a:r>
+              <a:rPr lang="en-GB" b="1" baseline="-25000" dirty="0" err="1"/>
+              <a:t>n</a:t>
+            </a:r>
+            <a:endParaRPr lang="en-GB" b="1" baseline="-25000" dirty="0"/>
+          </a:p>
+        </p:txBody>
+      </p:sp>
+      <p:sp>
+        <p:nvSpPr>
+          <p:cNvPr id="176" name="TextBox 175">
             <a:extLst>
               <a:ext uri="{FF2B5EF4-FFF2-40B4-BE49-F238E27FC236}">
                 <a16:creationId xmlns:a16="http://schemas.microsoft.com/office/drawing/2014/main" id="{536093B0-4FEC-458C-989B-29C57CC79ABB}"/>
@@ -8411,8 +9727,8 @@
         </p:nvSpPr>
         <p:spPr>
           <a:xfrm>
-            <a:off x="1739182" y="6289235"/>
-            <a:ext cx="1207895" cy="369332"/>
+            <a:off x="1569970" y="141424"/>
+            <a:ext cx="1553759" cy="461665"/>
           </a:xfrm>
           <a:prstGeom prst="rect">
             <a:avLst/>
@@ -8426,7 +9742,7 @@
           <a:lstStyle/>
           <a:p>
             <a:r>
-              <a:rPr lang="en-GB" b="1" u="sng" dirty="0"/>
+              <a:rPr lang="en-GB" sz="2400" b="1" u="sng" dirty="0"/>
               <a:t>LIVESTOCK</a:t>
             </a:r>
           </a:p>
@@ -8434,7 +9750,7 @@
       </p:sp>
       <p:sp>
         <p:nvSpPr>
-          <p:cNvPr id="180" name="TextBox 179">
+          <p:cNvPr id="177" name="TextBox 176">
             <a:extLst>
               <a:ext uri="{FF2B5EF4-FFF2-40B4-BE49-F238E27FC236}">
                 <a16:creationId xmlns:a16="http://schemas.microsoft.com/office/drawing/2014/main" id="{3B8D9139-771F-4FF2-9B63-8C4B601CF0AF}"/>
@@ -8446,8 +9762,8 @@
         </p:nvSpPr>
         <p:spPr>
           <a:xfrm>
-            <a:off x="5794529" y="6433333"/>
-            <a:ext cx="1083951" cy="369332"/>
+            <a:off x="5637500" y="144797"/>
+            <a:ext cx="1382110" cy="461665"/>
           </a:xfrm>
           <a:prstGeom prst="rect">
             <a:avLst/>
@@ -8461,7 +9777,7 @@
           <a:lstStyle/>
           <a:p>
             <a:r>
-              <a:rPr lang="en-GB" b="1" u="sng" dirty="0"/>
+              <a:rPr lang="en-GB" sz="2400" b="1" u="sng" dirty="0"/>
               <a:t>HUMANS</a:t>
             </a:r>
           </a:p>
@@ -8469,7 +9785,7 @@
       </p:sp>
       <p:sp>
         <p:nvSpPr>
-          <p:cNvPr id="181" name="TextBox 180">
+          <p:cNvPr id="178" name="TextBox 177">
             <a:extLst>
               <a:ext uri="{FF2B5EF4-FFF2-40B4-BE49-F238E27FC236}">
                 <a16:creationId xmlns:a16="http://schemas.microsoft.com/office/drawing/2014/main" id="{3D79E86F-8942-4ACF-9406-8DE30E86A6EB}"/>
@@ -8481,8 +9797,8 @@
         </p:nvSpPr>
         <p:spPr>
           <a:xfrm>
-            <a:off x="8369324" y="6301238"/>
-            <a:ext cx="1839863" cy="369332"/>
+            <a:off x="8222927" y="141424"/>
+            <a:ext cx="2393156" cy="461665"/>
           </a:xfrm>
           <a:prstGeom prst="rect">
             <a:avLst/>
@@ -8496,7 +9812,7 @@
           <a:lstStyle/>
           <a:p>
             <a:r>
-              <a:rPr lang="en-GB" b="1" u="sng" dirty="0"/>
+              <a:rPr lang="en-GB" sz="2400" b="1" u="sng" dirty="0"/>
               <a:t>IMPORTED FOOD</a:t>
             </a:r>
           </a:p>
@@ -8504,10 +9820,86 @@
       </p:sp>
       <p:sp>
         <p:nvSpPr>
-          <p:cNvPr id="3" name="TextBox 2">
-            <a:extLst>
-              <a:ext uri="{FF2B5EF4-FFF2-40B4-BE49-F238E27FC236}">
-                <a16:creationId xmlns:a16="http://schemas.microsoft.com/office/drawing/2014/main" id="{2CCEA2C6-C595-47F7-A833-B2503CDA947F}"/>
+          <p:cNvPr id="87" name="Right Brace 86"/>
+          <p:cNvSpPr/>
+          <p:nvPr/>
+        </p:nvSpPr>
+        <p:spPr>
+          <a:xfrm>
+            <a:off x="12967823" y="572450"/>
+            <a:ext cx="410534" cy="2753534"/>
+          </a:xfrm>
+          <a:prstGeom prst="rightBrace">
+            <a:avLst/>
+          </a:prstGeom>
+        </p:spPr>
+        <p:style>
+          <a:lnRef idx="1">
+            <a:schemeClr val="dk1"/>
+          </a:lnRef>
+          <a:fillRef idx="0">
+            <a:schemeClr val="dk1"/>
+          </a:fillRef>
+          <a:effectRef idx="0">
+            <a:schemeClr val="dk1"/>
+          </a:effectRef>
+          <a:fontRef idx="minor">
+            <a:schemeClr val="tx1"/>
+          </a:fontRef>
+        </p:style>
+        <p:txBody>
+          <a:bodyPr rtlCol="0" anchor="ctr"/>
+          <a:lstStyle/>
+          <a:p>
+            <a:pPr algn="ctr"/>
+            <a:endParaRPr lang="en-GB"/>
+          </a:p>
+        </p:txBody>
+      </p:sp>
+      <p:sp>
+        <p:nvSpPr>
+          <p:cNvPr id="182" name="Right Brace 181"/>
+          <p:cNvSpPr/>
+          <p:nvPr/>
+        </p:nvSpPr>
+        <p:spPr>
+          <a:xfrm>
+            <a:off x="12985211" y="3801627"/>
+            <a:ext cx="410534" cy="2753534"/>
+          </a:xfrm>
+          <a:prstGeom prst="rightBrace">
+            <a:avLst/>
+          </a:prstGeom>
+        </p:spPr>
+        <p:style>
+          <a:lnRef idx="1">
+            <a:schemeClr val="dk1"/>
+          </a:lnRef>
+          <a:fillRef idx="0">
+            <a:schemeClr val="dk1"/>
+          </a:fillRef>
+          <a:effectRef idx="0">
+            <a:schemeClr val="dk1"/>
+          </a:effectRef>
+          <a:fontRef idx="minor">
+            <a:schemeClr val="tx1"/>
+          </a:fontRef>
+        </p:style>
+        <p:txBody>
+          <a:bodyPr rtlCol="0" anchor="ctr"/>
+          <a:lstStyle/>
+          <a:p>
+            <a:pPr algn="ctr"/>
+            <a:endParaRPr lang="en-GB"/>
+          </a:p>
+        </p:txBody>
+      </p:sp>
+      <p:sp>
+        <p:nvSpPr>
+          <p:cNvPr id="183" name="TextBox 182">
+            <a:extLst>
+              <a:ext uri="{FF2B5EF4-FFF2-40B4-BE49-F238E27FC236}">
+                <a16:creationId xmlns:a16="http://schemas.microsoft.com/office/drawing/2014/main" id="{3D79E86F-8942-4ACF-9406-8DE30E86A6EB}"/>
               </a:ext>
             </a:extLst>
           </p:cNvPr>
@@ -8516,8 +9908,8 @@
         </p:nvSpPr>
         <p:spPr>
           <a:xfrm>
-            <a:off x="7960659" y="3540237"/>
-            <a:ext cx="3150005" cy="923330"/>
+            <a:off x="13395745" y="1609934"/>
+            <a:ext cx="1130438" cy="646331"/>
           </a:xfrm>
           <a:prstGeom prst="rect">
             <a:avLst/>
@@ -8525,62 +9917,597 @@
           <a:noFill/>
         </p:spPr>
         <p:txBody>
-          <a:bodyPr wrap="square" rtlCol="0">
+          <a:bodyPr wrap="none" rtlCol="0">
             <a:spAutoFit/>
           </a:bodyPr>
           <a:lstStyle/>
           <a:p>
             <a:r>
-              <a:rPr lang="en-GB" b="1" dirty="0"/>
-              <a:t>IMP</a:t>
-            </a:r>
-            <a:r>
-              <a:rPr lang="en-GB" b="1" baseline="-25000" dirty="0"/>
-              <a:t>RA</a:t>
-            </a:r>
-            <a:r>
-              <a:rPr lang="en-GB" dirty="0"/>
-              <a:t> = Proportion of Imports Resistant*Proportion of Import Contaminated</a:t>
-            </a:r>
-          </a:p>
-        </p:txBody>
-      </p:sp>
-      <p:sp>
-        <p:nvSpPr>
-          <p:cNvPr id="2" name="Rectangle 1"/>
-          <p:cNvSpPr/>
-          <p:nvPr/>
-        </p:nvSpPr>
-        <p:spPr>
-          <a:xfrm>
-            <a:off x="7960659" y="273689"/>
-            <a:ext cx="3852114" cy="923330"/>
+              <a:rPr lang="en-GB" b="1" dirty="0" smtClean="0"/>
+              <a:t>Importing</a:t>
+            </a:r>
+          </a:p>
+          <a:p>
+            <a:r>
+              <a:rPr lang="en-GB" b="1" dirty="0" smtClean="0"/>
+              <a:t>Countries</a:t>
+            </a:r>
+            <a:endParaRPr lang="en-GB" b="1" dirty="0"/>
+          </a:p>
+        </p:txBody>
+      </p:sp>
+      <p:sp>
+        <p:nvSpPr>
+          <p:cNvPr id="184" name="TextBox 183">
+            <a:extLst>
+              <a:ext uri="{FF2B5EF4-FFF2-40B4-BE49-F238E27FC236}">
+                <a16:creationId xmlns:a16="http://schemas.microsoft.com/office/drawing/2014/main" id="{3D79E86F-8942-4ACF-9406-8DE30E86A6EB}"/>
+              </a:ext>
+            </a:extLst>
+          </p:cNvPr>
+          <p:cNvSpPr txBox="1"/>
+          <p:nvPr/>
+        </p:nvSpPr>
+        <p:spPr>
+          <a:xfrm>
+            <a:off x="13395745" y="4855228"/>
+            <a:ext cx="1130438" cy="646331"/>
           </a:xfrm>
           <a:prstGeom prst="rect">
             <a:avLst/>
           </a:prstGeom>
-        </p:spPr>
-        <p:txBody>
-          <a:bodyPr wrap="square">
+          <a:noFill/>
+        </p:spPr>
+        <p:txBody>
+          <a:bodyPr wrap="none" rtlCol="0">
             <a:spAutoFit/>
           </a:bodyPr>
           <a:lstStyle/>
           <a:p>
             <a:r>
-              <a:rPr lang="en-GB" b="1" dirty="0"/>
-              <a:t>IMP</a:t>
-            </a:r>
-            <a:r>
-              <a:rPr lang="en-GB" b="1" baseline="-25000" dirty="0"/>
-              <a:t>SA</a:t>
-            </a:r>
-            <a:r>
-              <a:rPr lang="en-GB" dirty="0"/>
-              <a:t> = (1-Proportion of Imports Resistant)*Proportion of Import Contaminated</a:t>
-            </a:r>
-          </a:p>
-        </p:txBody>
-      </p:sp>
+              <a:rPr lang="en-GB" b="1" dirty="0" smtClean="0"/>
+              <a:t>Importing</a:t>
+            </a:r>
+          </a:p>
+          <a:p>
+            <a:r>
+              <a:rPr lang="en-GB" b="1" dirty="0" smtClean="0"/>
+              <a:t>Countries</a:t>
+            </a:r>
+            <a:endParaRPr lang="en-GB" b="1" dirty="0"/>
+          </a:p>
+        </p:txBody>
+      </p:sp>
+      <p:sp>
+        <p:nvSpPr>
+          <p:cNvPr id="90" name="Oval 89"/>
+          <p:cNvSpPr/>
+          <p:nvPr/>
+        </p:nvSpPr>
+        <p:spPr>
+          <a:xfrm>
+            <a:off x="2911353" y="6946352"/>
+            <a:ext cx="340641" cy="340641"/>
+          </a:xfrm>
+          <a:prstGeom prst="ellipse">
+            <a:avLst/>
+          </a:prstGeom>
+          <a:solidFill>
+            <a:schemeClr val="accent2"/>
+          </a:solidFill>
+          <a:ln w="28575">
+            <a:solidFill>
+              <a:schemeClr val="accent2"/>
+            </a:solidFill>
+          </a:ln>
+        </p:spPr>
+        <p:style>
+          <a:lnRef idx="2">
+            <a:schemeClr val="accent1">
+              <a:shade val="50000"/>
+            </a:schemeClr>
+          </a:lnRef>
+          <a:fillRef idx="1">
+            <a:schemeClr val="accent1"/>
+          </a:fillRef>
+          <a:effectRef idx="0">
+            <a:schemeClr val="accent1"/>
+          </a:effectRef>
+          <a:fontRef idx="minor">
+            <a:schemeClr val="lt1"/>
+          </a:fontRef>
+        </p:style>
+        <p:txBody>
+          <a:bodyPr rtlCol="0" anchor="ctr"/>
+          <a:lstStyle/>
+          <a:p>
+            <a:pPr algn="ctr"/>
+            <a:endParaRPr lang="en-GB"/>
+          </a:p>
+        </p:txBody>
+      </p:sp>
+      <p:sp>
+        <p:nvSpPr>
+          <p:cNvPr id="91" name="Rectangle 90"/>
+          <p:cNvSpPr/>
+          <p:nvPr/>
+        </p:nvSpPr>
+        <p:spPr>
+          <a:xfrm>
+            <a:off x="2910982" y="7382727"/>
+            <a:ext cx="340641" cy="340641"/>
+          </a:xfrm>
+          <a:prstGeom prst="rect">
+            <a:avLst/>
+          </a:prstGeom>
+          <a:ln w="28575"/>
+        </p:spPr>
+        <p:style>
+          <a:lnRef idx="2">
+            <a:schemeClr val="accent1">
+              <a:shade val="50000"/>
+            </a:schemeClr>
+          </a:lnRef>
+          <a:fillRef idx="1">
+            <a:schemeClr val="accent1"/>
+          </a:fillRef>
+          <a:effectRef idx="0">
+            <a:schemeClr val="accent1"/>
+          </a:effectRef>
+          <a:fontRef idx="minor">
+            <a:schemeClr val="lt1"/>
+          </a:fontRef>
+        </p:style>
+        <p:txBody>
+          <a:bodyPr rtlCol="0" anchor="ctr"/>
+          <a:lstStyle/>
+          <a:p>
+            <a:pPr algn="ctr"/>
+            <a:endParaRPr lang="en-GB"/>
+          </a:p>
+        </p:txBody>
+      </p:sp>
+      <p:sp>
+        <p:nvSpPr>
+          <p:cNvPr id="186" name="Rectangle 185"/>
+          <p:cNvSpPr/>
+          <p:nvPr/>
+        </p:nvSpPr>
+        <p:spPr>
+          <a:xfrm>
+            <a:off x="2910982" y="7820992"/>
+            <a:ext cx="340641" cy="340641"/>
+          </a:xfrm>
+          <a:prstGeom prst="rect">
+            <a:avLst/>
+          </a:prstGeom>
+          <a:solidFill>
+            <a:schemeClr val="tx1"/>
+          </a:solidFill>
+          <a:ln w="28575">
+            <a:solidFill>
+              <a:schemeClr val="tx1"/>
+            </a:solidFill>
+          </a:ln>
+        </p:spPr>
+        <p:style>
+          <a:lnRef idx="2">
+            <a:schemeClr val="accent1">
+              <a:shade val="50000"/>
+            </a:schemeClr>
+          </a:lnRef>
+          <a:fillRef idx="1">
+            <a:schemeClr val="accent1"/>
+          </a:fillRef>
+          <a:effectRef idx="0">
+            <a:schemeClr val="accent1"/>
+          </a:effectRef>
+          <a:fontRef idx="minor">
+            <a:schemeClr val="lt1"/>
+          </a:fontRef>
+        </p:style>
+        <p:txBody>
+          <a:bodyPr rtlCol="0" anchor="ctr"/>
+          <a:lstStyle/>
+          <a:p>
+            <a:pPr algn="ctr"/>
+            <a:endParaRPr lang="en-GB"/>
+          </a:p>
+        </p:txBody>
+      </p:sp>
+      <p:cxnSp>
+        <p:nvCxnSpPr>
+          <p:cNvPr id="188" name="Straight Arrow Connector 187"/>
+          <p:cNvCxnSpPr/>
+          <p:nvPr/>
+        </p:nvCxnSpPr>
+        <p:spPr>
+          <a:xfrm>
+            <a:off x="5993468" y="7251668"/>
+            <a:ext cx="1124883" cy="0"/>
+          </a:xfrm>
+          <a:prstGeom prst="straightConnector1">
+            <a:avLst/>
+          </a:prstGeom>
+          <a:ln w="19050">
+            <a:tailEnd type="triangle"/>
+          </a:ln>
+        </p:spPr>
+        <p:style>
+          <a:lnRef idx="1">
+            <a:schemeClr val="accent1"/>
+          </a:lnRef>
+          <a:fillRef idx="0">
+            <a:schemeClr val="accent1"/>
+          </a:fillRef>
+          <a:effectRef idx="0">
+            <a:schemeClr val="accent1"/>
+          </a:effectRef>
+          <a:fontRef idx="minor">
+            <a:schemeClr val="tx1"/>
+          </a:fontRef>
+        </p:style>
+      </p:cxnSp>
+      <p:cxnSp>
+        <p:nvCxnSpPr>
+          <p:cNvPr id="189" name="Straight Arrow Connector 188"/>
+          <p:cNvCxnSpPr/>
+          <p:nvPr/>
+        </p:nvCxnSpPr>
+        <p:spPr>
+          <a:xfrm>
+            <a:off x="5992805" y="7137757"/>
+            <a:ext cx="1124883" cy="0"/>
+          </a:xfrm>
+          <a:prstGeom prst="straightConnector1">
+            <a:avLst/>
+          </a:prstGeom>
+          <a:ln w="19050">
+            <a:solidFill>
+              <a:schemeClr val="accent2"/>
+            </a:solidFill>
+            <a:tailEnd type="triangle"/>
+          </a:ln>
+        </p:spPr>
+        <p:style>
+          <a:lnRef idx="1">
+            <a:schemeClr val="accent1"/>
+          </a:lnRef>
+          <a:fillRef idx="0">
+            <a:schemeClr val="accent1"/>
+          </a:fillRef>
+          <a:effectRef idx="0">
+            <a:schemeClr val="accent1"/>
+          </a:effectRef>
+          <a:fontRef idx="minor">
+            <a:schemeClr val="tx1"/>
+          </a:fontRef>
+        </p:style>
+      </p:cxnSp>
+      <p:sp>
+        <p:nvSpPr>
+          <p:cNvPr id="192" name="TextBox 191">
+            <a:extLst>
+              <a:ext uri="{FF2B5EF4-FFF2-40B4-BE49-F238E27FC236}">
+                <a16:creationId xmlns:a16="http://schemas.microsoft.com/office/drawing/2014/main" id="{4BAD70AA-C964-47E7-99BC-17EF904B03F0}"/>
+              </a:ext>
+            </a:extLst>
+          </p:cNvPr>
+          <p:cNvSpPr txBox="1"/>
+          <p:nvPr/>
+        </p:nvSpPr>
+        <p:spPr>
+          <a:xfrm>
+            <a:off x="3337427" y="6943870"/>
+            <a:ext cx="1777603" cy="338554"/>
+          </a:xfrm>
+          <a:prstGeom prst="rect">
+            <a:avLst/>
+          </a:prstGeom>
+          <a:noFill/>
+        </p:spPr>
+        <p:txBody>
+          <a:bodyPr wrap="none" rtlCol="0">
+            <a:spAutoFit/>
+          </a:bodyPr>
+          <a:lstStyle/>
+          <a:p>
+            <a:r>
+              <a:rPr lang="en-GB" sz="1600" b="1" dirty="0" smtClean="0"/>
+              <a:t>Human Population</a:t>
+            </a:r>
+            <a:endParaRPr lang="en-GB" sz="1600" b="1" baseline="-25000" dirty="0"/>
+          </a:p>
+        </p:txBody>
+      </p:sp>
+      <p:sp>
+        <p:nvSpPr>
+          <p:cNvPr id="193" name="TextBox 192">
+            <a:extLst>
+              <a:ext uri="{FF2B5EF4-FFF2-40B4-BE49-F238E27FC236}">
+                <a16:creationId xmlns:a16="http://schemas.microsoft.com/office/drawing/2014/main" id="{4BAD70AA-C964-47E7-99BC-17EF904B03F0}"/>
+              </a:ext>
+            </a:extLst>
+          </p:cNvPr>
+          <p:cNvSpPr txBox="1"/>
+          <p:nvPr/>
+        </p:nvSpPr>
+        <p:spPr>
+          <a:xfrm>
+            <a:off x="3338662" y="7364080"/>
+            <a:ext cx="1804789" cy="338554"/>
+          </a:xfrm>
+          <a:prstGeom prst="rect">
+            <a:avLst/>
+          </a:prstGeom>
+          <a:noFill/>
+        </p:spPr>
+        <p:txBody>
+          <a:bodyPr wrap="none" rtlCol="0">
+            <a:spAutoFit/>
+          </a:bodyPr>
+          <a:lstStyle/>
+          <a:p>
+            <a:r>
+              <a:rPr lang="en-GB" sz="1600" b="1" dirty="0" smtClean="0"/>
+              <a:t>Domestic Livestock</a:t>
+            </a:r>
+            <a:endParaRPr lang="en-GB" sz="1600" b="1" baseline="-25000" dirty="0"/>
+          </a:p>
+        </p:txBody>
+      </p:sp>
+      <p:sp>
+        <p:nvSpPr>
+          <p:cNvPr id="194" name="TextBox 193">
+            <a:extLst>
+              <a:ext uri="{FF2B5EF4-FFF2-40B4-BE49-F238E27FC236}">
+                <a16:creationId xmlns:a16="http://schemas.microsoft.com/office/drawing/2014/main" id="{4BAD70AA-C964-47E7-99BC-17EF904B03F0}"/>
+              </a:ext>
+            </a:extLst>
+          </p:cNvPr>
+          <p:cNvSpPr txBox="1"/>
+          <p:nvPr/>
+        </p:nvSpPr>
+        <p:spPr>
+          <a:xfrm>
+            <a:off x="3338221" y="7797322"/>
+            <a:ext cx="2249847" cy="338554"/>
+          </a:xfrm>
+          <a:prstGeom prst="rect">
+            <a:avLst/>
+          </a:prstGeom>
+          <a:noFill/>
+        </p:spPr>
+        <p:txBody>
+          <a:bodyPr wrap="none" rtlCol="0">
+            <a:spAutoFit/>
+          </a:bodyPr>
+          <a:lstStyle/>
+          <a:p>
+            <a:r>
+              <a:rPr lang="en-GB" sz="1600" b="1" dirty="0" smtClean="0"/>
+              <a:t>Imported Food Products</a:t>
+            </a:r>
+            <a:endParaRPr lang="en-GB" sz="1600" b="1" baseline="-25000" dirty="0"/>
+          </a:p>
+        </p:txBody>
+      </p:sp>
+      <p:sp>
+        <p:nvSpPr>
+          <p:cNvPr id="195" name="TextBox 194">
+            <a:extLst>
+              <a:ext uri="{FF2B5EF4-FFF2-40B4-BE49-F238E27FC236}">
+                <a16:creationId xmlns:a16="http://schemas.microsoft.com/office/drawing/2014/main" id="{4BAD70AA-C964-47E7-99BC-17EF904B03F0}"/>
+              </a:ext>
+            </a:extLst>
+          </p:cNvPr>
+          <p:cNvSpPr txBox="1"/>
+          <p:nvPr/>
+        </p:nvSpPr>
+        <p:spPr>
+          <a:xfrm>
+            <a:off x="7191509" y="7086039"/>
+            <a:ext cx="2538195" cy="338554"/>
+          </a:xfrm>
+          <a:prstGeom prst="rect">
+            <a:avLst/>
+          </a:prstGeom>
+          <a:noFill/>
+        </p:spPr>
+        <p:txBody>
+          <a:bodyPr wrap="none" rtlCol="0">
+            <a:spAutoFit/>
+          </a:bodyPr>
+          <a:lstStyle/>
+          <a:p>
+            <a:r>
+              <a:rPr lang="en-GB" sz="1600" b="1" dirty="0" smtClean="0"/>
+              <a:t>Non-transmission dynamics</a:t>
+            </a:r>
+            <a:endParaRPr lang="en-GB" sz="1600" b="1" baseline="-25000" dirty="0"/>
+          </a:p>
+        </p:txBody>
+      </p:sp>
+      <p:sp>
+        <p:nvSpPr>
+          <p:cNvPr id="196" name="TextBox 195">
+            <a:extLst>
+              <a:ext uri="{FF2B5EF4-FFF2-40B4-BE49-F238E27FC236}">
+                <a16:creationId xmlns:a16="http://schemas.microsoft.com/office/drawing/2014/main" id="{4BAD70AA-C964-47E7-99BC-17EF904B03F0}"/>
+              </a:ext>
+            </a:extLst>
+          </p:cNvPr>
+          <p:cNvSpPr txBox="1"/>
+          <p:nvPr/>
+        </p:nvSpPr>
+        <p:spPr>
+          <a:xfrm>
+            <a:off x="7191509" y="7621341"/>
+            <a:ext cx="1288558" cy="338554"/>
+          </a:xfrm>
+          <a:prstGeom prst="rect">
+            <a:avLst/>
+          </a:prstGeom>
+          <a:noFill/>
+        </p:spPr>
+        <p:txBody>
+          <a:bodyPr wrap="none" rtlCol="0">
+            <a:spAutoFit/>
+          </a:bodyPr>
+          <a:lstStyle/>
+          <a:p>
+            <a:r>
+              <a:rPr lang="en-GB" sz="1600" b="1" dirty="0" smtClean="0"/>
+              <a:t>Transmission</a:t>
+            </a:r>
+            <a:endParaRPr lang="en-GB" sz="1600" b="1" baseline="-25000" dirty="0"/>
+          </a:p>
+        </p:txBody>
+      </p:sp>
+      <p:cxnSp>
+        <p:nvCxnSpPr>
+          <p:cNvPr id="197" name="Straight Arrow Connector 196"/>
+          <p:cNvCxnSpPr/>
+          <p:nvPr/>
+        </p:nvCxnSpPr>
+        <p:spPr>
+          <a:xfrm>
+            <a:off x="6000610" y="7370027"/>
+            <a:ext cx="1124883" cy="0"/>
+          </a:xfrm>
+          <a:prstGeom prst="straightConnector1">
+            <a:avLst/>
+          </a:prstGeom>
+          <a:ln w="19050">
+            <a:solidFill>
+              <a:schemeClr val="tx1"/>
+            </a:solidFill>
+            <a:tailEnd type="triangle"/>
+          </a:ln>
+        </p:spPr>
+        <p:style>
+          <a:lnRef idx="1">
+            <a:schemeClr val="accent1"/>
+          </a:lnRef>
+          <a:fillRef idx="0">
+            <a:schemeClr val="accent1"/>
+          </a:fillRef>
+          <a:effectRef idx="0">
+            <a:schemeClr val="accent1"/>
+          </a:effectRef>
+          <a:fontRef idx="minor">
+            <a:schemeClr val="tx1"/>
+          </a:fontRef>
+        </p:style>
+      </p:cxnSp>
+      <p:cxnSp>
+        <p:nvCxnSpPr>
+          <p:cNvPr id="198" name="Straight Arrow Connector 197"/>
+          <p:cNvCxnSpPr/>
+          <p:nvPr/>
+        </p:nvCxnSpPr>
+        <p:spPr>
+          <a:xfrm>
+            <a:off x="5993467" y="7828836"/>
+            <a:ext cx="1124883" cy="0"/>
+          </a:xfrm>
+          <a:prstGeom prst="straightConnector1">
+            <a:avLst/>
+          </a:prstGeom>
+          <a:ln w="19050">
+            <a:prstDash val="dash"/>
+            <a:tailEnd type="triangle"/>
+          </a:ln>
+        </p:spPr>
+        <p:style>
+          <a:lnRef idx="1">
+            <a:schemeClr val="accent1"/>
+          </a:lnRef>
+          <a:fillRef idx="0">
+            <a:schemeClr val="accent1"/>
+          </a:fillRef>
+          <a:effectRef idx="0">
+            <a:schemeClr val="accent1"/>
+          </a:effectRef>
+          <a:fontRef idx="minor">
+            <a:schemeClr val="tx1"/>
+          </a:fontRef>
+        </p:style>
+      </p:cxnSp>
+      <p:cxnSp>
+        <p:nvCxnSpPr>
+          <p:cNvPr id="199" name="Straight Arrow Connector 198"/>
+          <p:cNvCxnSpPr/>
+          <p:nvPr/>
+        </p:nvCxnSpPr>
+        <p:spPr>
+          <a:xfrm>
+            <a:off x="5992804" y="7714925"/>
+            <a:ext cx="1124883" cy="0"/>
+          </a:xfrm>
+          <a:prstGeom prst="straightConnector1">
+            <a:avLst/>
+          </a:prstGeom>
+          <a:ln w="19050">
+            <a:solidFill>
+              <a:schemeClr val="accent2"/>
+            </a:solidFill>
+            <a:prstDash val="dash"/>
+            <a:tailEnd type="triangle"/>
+          </a:ln>
+        </p:spPr>
+        <p:style>
+          <a:lnRef idx="1">
+            <a:schemeClr val="accent1"/>
+          </a:lnRef>
+          <a:fillRef idx="0">
+            <a:schemeClr val="accent1"/>
+          </a:fillRef>
+          <a:effectRef idx="0">
+            <a:schemeClr val="accent1"/>
+          </a:effectRef>
+          <a:fontRef idx="minor">
+            <a:schemeClr val="tx1"/>
+          </a:fontRef>
+        </p:style>
+      </p:cxnSp>
+      <p:cxnSp>
+        <p:nvCxnSpPr>
+          <p:cNvPr id="200" name="Straight Arrow Connector 199"/>
+          <p:cNvCxnSpPr/>
+          <p:nvPr/>
+        </p:nvCxnSpPr>
+        <p:spPr>
+          <a:xfrm>
+            <a:off x="6000609" y="7947195"/>
+            <a:ext cx="1124883" cy="0"/>
+          </a:xfrm>
+          <a:prstGeom prst="straightConnector1">
+            <a:avLst/>
+          </a:prstGeom>
+          <a:ln w="19050">
+            <a:solidFill>
+              <a:schemeClr val="tx1"/>
+            </a:solidFill>
+            <a:prstDash val="dash"/>
+            <a:tailEnd type="triangle"/>
+          </a:ln>
+        </p:spPr>
+        <p:style>
+          <a:lnRef idx="1">
+            <a:schemeClr val="accent1"/>
+          </a:lnRef>
+          <a:fillRef idx="0">
+            <a:schemeClr val="accent1"/>
+          </a:fillRef>
+          <a:effectRef idx="0">
+            <a:schemeClr val="accent1"/>
+          </a:effectRef>
+          <a:fontRef idx="minor">
+            <a:schemeClr val="tx1"/>
+          </a:fontRef>
+        </p:style>
+      </p:cxnSp>
     </p:spTree>
     <p:extLst>
       <p:ext uri="{BB962C8B-B14F-4D97-AF65-F5344CB8AC3E}">

--- a/Write Up/model_figures.pptx
+++ b/Write Up/model_figures.pptx
@@ -262,7 +262,7 @@
           <a:p>
             <a:fld id="{390A380A-7C2E-4CB6-8AB7-B70CA63B4A3B}" type="datetimeFigureOut">
               <a:rPr lang="en-GB" smtClean="0"/>
-              <a:t>22/02/2022</a:t>
+              <a:t>01/04/2022</a:t>
             </a:fld>
             <a:endParaRPr lang="en-GB"/>
           </a:p>
@@ -462,7 +462,7 @@
           <a:p>
             <a:fld id="{390A380A-7C2E-4CB6-8AB7-B70CA63B4A3B}" type="datetimeFigureOut">
               <a:rPr lang="en-GB" smtClean="0"/>
-              <a:t>22/02/2022</a:t>
+              <a:t>01/04/2022</a:t>
             </a:fld>
             <a:endParaRPr lang="en-GB"/>
           </a:p>
@@ -672,7 +672,7 @@
           <a:p>
             <a:fld id="{390A380A-7C2E-4CB6-8AB7-B70CA63B4A3B}" type="datetimeFigureOut">
               <a:rPr lang="en-GB" smtClean="0"/>
-              <a:t>22/02/2022</a:t>
+              <a:t>01/04/2022</a:t>
             </a:fld>
             <a:endParaRPr lang="en-GB"/>
           </a:p>
@@ -872,7 +872,7 @@
           <a:p>
             <a:fld id="{390A380A-7C2E-4CB6-8AB7-B70CA63B4A3B}" type="datetimeFigureOut">
               <a:rPr lang="en-GB" smtClean="0"/>
-              <a:t>22/02/2022</a:t>
+              <a:t>01/04/2022</a:t>
             </a:fld>
             <a:endParaRPr lang="en-GB"/>
           </a:p>
@@ -1148,7 +1148,7 @@
           <a:p>
             <a:fld id="{390A380A-7C2E-4CB6-8AB7-B70CA63B4A3B}" type="datetimeFigureOut">
               <a:rPr lang="en-GB" smtClean="0"/>
-              <a:t>22/02/2022</a:t>
+              <a:t>01/04/2022</a:t>
             </a:fld>
             <a:endParaRPr lang="en-GB"/>
           </a:p>
@@ -1416,7 +1416,7 @@
           <a:p>
             <a:fld id="{390A380A-7C2E-4CB6-8AB7-B70CA63B4A3B}" type="datetimeFigureOut">
               <a:rPr lang="en-GB" smtClean="0"/>
-              <a:t>22/02/2022</a:t>
+              <a:t>01/04/2022</a:t>
             </a:fld>
             <a:endParaRPr lang="en-GB"/>
           </a:p>
@@ -1831,7 +1831,7 @@
           <a:p>
             <a:fld id="{390A380A-7C2E-4CB6-8AB7-B70CA63B4A3B}" type="datetimeFigureOut">
               <a:rPr lang="en-GB" smtClean="0"/>
-              <a:t>22/02/2022</a:t>
+              <a:t>01/04/2022</a:t>
             </a:fld>
             <a:endParaRPr lang="en-GB"/>
           </a:p>
@@ -1973,7 +1973,7 @@
           <a:p>
             <a:fld id="{390A380A-7C2E-4CB6-8AB7-B70CA63B4A3B}" type="datetimeFigureOut">
               <a:rPr lang="en-GB" smtClean="0"/>
-              <a:t>22/02/2022</a:t>
+              <a:t>01/04/2022</a:t>
             </a:fld>
             <a:endParaRPr lang="en-GB"/>
           </a:p>
@@ -2086,7 +2086,7 @@
           <a:p>
             <a:fld id="{390A380A-7C2E-4CB6-8AB7-B70CA63B4A3B}" type="datetimeFigureOut">
               <a:rPr lang="en-GB" smtClean="0"/>
-              <a:t>22/02/2022</a:t>
+              <a:t>01/04/2022</a:t>
             </a:fld>
             <a:endParaRPr lang="en-GB"/>
           </a:p>
@@ -2399,7 +2399,7 @@
           <a:p>
             <a:fld id="{390A380A-7C2E-4CB6-8AB7-B70CA63B4A3B}" type="datetimeFigureOut">
               <a:rPr lang="en-GB" smtClean="0"/>
-              <a:t>22/02/2022</a:t>
+              <a:t>01/04/2022</a:t>
             </a:fld>
             <a:endParaRPr lang="en-GB"/>
           </a:p>
@@ -2688,7 +2688,7 @@
           <a:p>
             <a:fld id="{390A380A-7C2E-4CB6-8AB7-B70CA63B4A3B}" type="datetimeFigureOut">
               <a:rPr lang="en-GB" smtClean="0"/>
-              <a:t>22/02/2022</a:t>
+              <a:t>01/04/2022</a:t>
             </a:fld>
             <a:endParaRPr lang="en-GB"/>
           </a:p>
@@ -2931,7 +2931,7 @@
           <a:p>
             <a:fld id="{390A380A-7C2E-4CB6-8AB7-B70CA63B4A3B}" type="datetimeFigureOut">
               <a:rPr lang="en-GB" smtClean="0"/>
-              <a:t>22/02/2022</a:t>
+              <a:t>01/04/2022</a:t>
             </a:fld>
             <a:endParaRPr lang="en-GB"/>
           </a:p>
@@ -3716,18 +3716,18 @@
           <a:p>
             <a:pPr algn="ctr"/>
             <a:r>
-              <a:rPr lang="en-GB" b="1" dirty="0" smtClean="0"/>
+              <a:rPr lang="en-GB" b="1" dirty="0"/>
               <a:t>Imported </a:t>
             </a:r>
           </a:p>
           <a:p>
             <a:pPr algn="ctr"/>
             <a:r>
-              <a:rPr lang="en-GB" b="1" dirty="0" smtClean="0"/>
+              <a:rPr lang="en-GB" b="1" dirty="0"/>
               <a:t>I</a:t>
             </a:r>
             <a:r>
-              <a:rPr lang="en-GB" b="1" baseline="-25000" dirty="0" smtClean="0"/>
+              <a:rPr lang="en-GB" b="1" baseline="-25000" dirty="0"/>
               <a:t>SA</a:t>
             </a:r>
           </a:p>
@@ -5036,11 +5036,11 @@
           <a:lstStyle/>
           <a:p>
             <a:r>
-              <a:rPr lang="en-GB" b="1" dirty="0" smtClean="0"/>
+              <a:rPr lang="en-GB" b="1" dirty="0"/>
               <a:t>½</a:t>
             </a:r>
             <a:r>
-              <a:rPr lang="el-GR" b="1" dirty="0" smtClean="0"/>
+              <a:rPr lang="el-GR" b="1" dirty="0"/>
               <a:t>ζ</a:t>
             </a:r>
             <a:endParaRPr lang="en-GB" b="1" dirty="0"/>
@@ -5856,42 +5856,37 @@
           <a:lstStyle/>
           <a:p>
             <a:r>
-              <a:rPr lang="en-GB" b="1" dirty="0" smtClean="0"/>
+              <a:rPr lang="en-GB" b="1" dirty="0"/>
               <a:t>IMP</a:t>
             </a:r>
             <a:r>
-              <a:rPr lang="en-GB" b="1" baseline="-25000" dirty="0" smtClean="0"/>
+              <a:rPr lang="en-GB" b="1" baseline="-25000" dirty="0"/>
               <a:t>ISA</a:t>
             </a:r>
             <a:r>
-              <a:rPr lang="en-GB" b="1" dirty="0" smtClean="0"/>
-              <a:t> </a:t>
-            </a:r>
-            <a:r>
               <a:rPr lang="en-GB" b="1" dirty="0"/>
-              <a:t>= </a:t>
-            </a:r>
-            <a:r>
-              <a:rPr lang="en-GB" b="1" dirty="0" err="1" smtClean="0"/>
+              <a:t> = </a:t>
+            </a:r>
+            <a:r>
+              <a:rPr lang="en-GB" b="1" dirty="0" err="1"/>
               <a:t>Frac</a:t>
             </a:r>
             <a:r>
-              <a:rPr lang="en-GB" b="1" baseline="-25000" dirty="0" err="1" smtClean="0"/>
+              <a:rPr lang="en-GB" b="1" baseline="-25000" dirty="0" err="1"/>
               <a:t>Imp</a:t>
             </a:r>
             <a:r>
-              <a:rPr lang="en-GB" b="1" dirty="0" smtClean="0"/>
+              <a:rPr lang="en-GB" b="1" dirty="0"/>
               <a:t>(1-PropRes</a:t>
             </a:r>
             <a:r>
-              <a:rPr lang="en-GB" b="1" baseline="-25000" dirty="0" smtClean="0"/>
+              <a:rPr lang="en-GB" b="1" baseline="-25000" dirty="0"/>
               <a:t>Imp</a:t>
             </a:r>
             <a:r>
-              <a:rPr lang="en-GB" b="1" dirty="0" smtClean="0"/>
+              <a:rPr lang="en-GB" b="1" dirty="0"/>
               <a:t>)</a:t>
             </a:r>
-            <a:endParaRPr lang="en-GB" b="1" dirty="0"/>
           </a:p>
         </p:txBody>
       </p:sp>
@@ -5917,35 +5912,31 @@
           <a:lstStyle/>
           <a:p>
             <a:r>
-              <a:rPr lang="en-GB" b="1" dirty="0" smtClean="0"/>
+              <a:rPr lang="en-GB" b="1" dirty="0"/>
               <a:t>IMP</a:t>
             </a:r>
             <a:r>
-              <a:rPr lang="en-GB" b="1" baseline="-25000" dirty="0" smtClean="0"/>
+              <a:rPr lang="en-GB" b="1" baseline="-25000" dirty="0"/>
               <a:t>IRA</a:t>
             </a:r>
             <a:r>
-              <a:rPr lang="en-GB" b="1" dirty="0" smtClean="0"/>
-              <a:t> </a:t>
-            </a:r>
-            <a:r>
               <a:rPr lang="en-GB" b="1" dirty="0"/>
-              <a:t>= </a:t>
-            </a:r>
-            <a:r>
-              <a:rPr lang="en-GB" b="1" dirty="0" err="1" smtClean="0"/>
+              <a:t> = </a:t>
+            </a:r>
+            <a:r>
+              <a:rPr lang="en-GB" b="1" dirty="0" err="1"/>
               <a:t>Frac</a:t>
             </a:r>
             <a:r>
-              <a:rPr lang="en-GB" b="1" baseline="-25000" dirty="0" err="1" smtClean="0"/>
+              <a:rPr lang="en-GB" b="1" baseline="-25000" dirty="0" err="1"/>
               <a:t>Imp</a:t>
             </a:r>
             <a:r>
-              <a:rPr lang="en-GB" b="1" dirty="0" err="1" smtClean="0"/>
+              <a:rPr lang="en-GB" b="1" dirty="0" err="1"/>
               <a:t>PropRes</a:t>
             </a:r>
             <a:r>
-              <a:rPr lang="en-GB" b="1" baseline="-25000" dirty="0" err="1" smtClean="0"/>
+              <a:rPr lang="en-GB" b="1" baseline="-25000" dirty="0" err="1"/>
               <a:t>Imp</a:t>
             </a:r>
             <a:endParaRPr lang="en-GB" b="1" dirty="0"/>
@@ -5996,18 +5987,18 @@
           <a:p>
             <a:pPr algn="ctr"/>
             <a:r>
-              <a:rPr lang="en-GB" b="1" dirty="0" smtClean="0"/>
+              <a:rPr lang="en-GB" b="1" dirty="0"/>
               <a:t>Imported </a:t>
             </a:r>
           </a:p>
           <a:p>
             <a:pPr algn="ctr"/>
             <a:r>
-              <a:rPr lang="en-GB" b="1" dirty="0" smtClean="0"/>
+              <a:rPr lang="en-GB" b="1" dirty="0"/>
               <a:t>I</a:t>
             </a:r>
             <a:r>
-              <a:rPr lang="en-GB" b="1" baseline="-25000" dirty="0" smtClean="0"/>
+              <a:rPr lang="en-GB" b="1" baseline="-25000" dirty="0"/>
               <a:t>RA</a:t>
             </a:r>
           </a:p>
@@ -6248,7 +6239,7 @@
           <a:lstStyle/>
           <a:p>
             <a:r>
-              <a:rPr lang="en-GB" sz="1600" b="1" dirty="0" smtClean="0"/>
+              <a:rPr lang="en-GB" sz="1600" b="1" dirty="0"/>
               <a:t>Human Population</a:t>
             </a:r>
             <a:endParaRPr lang="en-GB" sz="1600" b="1" baseline="-25000" dirty="0"/>
@@ -6284,7 +6275,7 @@
           <a:lstStyle/>
           <a:p>
             <a:r>
-              <a:rPr lang="en-GB" sz="1600" b="1" dirty="0" smtClean="0"/>
+              <a:rPr lang="en-GB" sz="1600" b="1" dirty="0"/>
               <a:t>Domestic Livestock</a:t>
             </a:r>
             <a:endParaRPr lang="en-GB" sz="1600" b="1" baseline="-25000" dirty="0"/>
@@ -6320,7 +6311,7 @@
           <a:lstStyle/>
           <a:p>
             <a:r>
-              <a:rPr lang="en-GB" sz="1600" b="1" dirty="0" smtClean="0"/>
+              <a:rPr lang="en-GB" sz="1600" b="1" dirty="0"/>
               <a:t>Imported Food Products</a:t>
             </a:r>
             <a:endParaRPr lang="en-GB" sz="1600" b="1" baseline="-25000" dirty="0"/>
@@ -6356,7 +6347,7 @@
           <a:lstStyle/>
           <a:p>
             <a:r>
-              <a:rPr lang="en-GB" sz="1600" b="1" dirty="0" smtClean="0"/>
+              <a:rPr lang="en-GB" sz="1600" b="1" dirty="0"/>
               <a:t>Non-transmission dynamics</a:t>
             </a:r>
             <a:endParaRPr lang="en-GB" sz="1600" b="1" baseline="-25000" dirty="0"/>
@@ -6392,7 +6383,7 @@
           <a:lstStyle/>
           <a:p>
             <a:r>
-              <a:rPr lang="en-GB" sz="1600" b="1" dirty="0" smtClean="0"/>
+              <a:rPr lang="en-GB" sz="1600" b="1" dirty="0"/>
               <a:t>Transmission</a:t>
             </a:r>
             <a:endParaRPr lang="en-GB" sz="1600" b="1" baseline="-25000" dirty="0"/>
@@ -8204,11 +8195,11 @@
           <a:lstStyle/>
           <a:p>
             <a:r>
-              <a:rPr lang="en-GB" b="1" dirty="0" smtClean="0"/>
+              <a:rPr lang="en-GB" b="1" dirty="0"/>
               <a:t>½</a:t>
             </a:r>
             <a:r>
-              <a:rPr lang="el-GR" b="1" dirty="0" smtClean="0"/>
+              <a:rPr lang="el-GR" b="1" dirty="0"/>
               <a:t>ζ</a:t>
             </a:r>
             <a:endParaRPr lang="en-GB" b="1" dirty="0"/>
@@ -8941,14 +8932,13 @@
           <a:p>
             <a:pPr algn="ctr"/>
             <a:r>
-              <a:rPr lang="en-GB" b="1" dirty="0" smtClean="0"/>
+              <a:rPr lang="en-GB" b="1" dirty="0"/>
               <a:t>IMP</a:t>
             </a:r>
             <a:r>
-              <a:rPr lang="en-GB" b="1" baseline="-25000" dirty="0" smtClean="0"/>
+              <a:rPr lang="en-GB" b="1" baseline="-25000" dirty="0"/>
               <a:t>ISA1</a:t>
             </a:r>
-            <a:endParaRPr lang="en-GB" b="1" baseline="-25000" dirty="0"/>
           </a:p>
         </p:txBody>
       </p:sp>
@@ -8996,7 +8986,7 @@
           <a:p>
             <a:pPr algn="ctr"/>
             <a:r>
-              <a:rPr lang="en-GB" b="1" dirty="0" err="1" smtClean="0"/>
+              <a:rPr lang="en-GB" b="1" dirty="0" err="1"/>
               <a:t>IMP</a:t>
             </a:r>
             <a:r>
@@ -9051,18 +9041,13 @@
           <a:p>
             <a:pPr algn="ctr"/>
             <a:r>
-              <a:rPr lang="en-GB" b="1" dirty="0" smtClean="0"/>
+              <a:rPr lang="en-GB" b="1" dirty="0"/>
               <a:t>IMP</a:t>
             </a:r>
             <a:r>
               <a:rPr lang="en-GB" b="1" baseline="-25000" dirty="0"/>
-              <a:t>ISA</a:t>
-            </a:r>
-            <a:r>
-              <a:rPr lang="en-GB" b="1" baseline="-25000" dirty="0" smtClean="0"/>
-              <a:t>…</a:t>
-            </a:r>
-            <a:endParaRPr lang="en-GB" b="1" baseline="-25000" dirty="0"/>
+              <a:t>ISA…</a:t>
+            </a:r>
           </a:p>
         </p:txBody>
       </p:sp>
@@ -9192,39 +9177,39 @@
           <a:lstStyle/>
           <a:p>
             <a:r>
-              <a:rPr lang="en-GB" b="1" dirty="0" err="1" smtClean="0"/>
+              <a:rPr lang="en-GB" b="1" dirty="0" err="1"/>
               <a:t>IMP</a:t>
             </a:r>
             <a:r>
-              <a:rPr lang="en-GB" b="1" baseline="-25000" dirty="0" err="1" smtClean="0"/>
+              <a:rPr lang="en-GB" b="1" baseline="-25000" dirty="0" err="1"/>
               <a:t>ISAn</a:t>
             </a:r>
             <a:r>
-              <a:rPr lang="en-GB" b="1" dirty="0" smtClean="0"/>
+              <a:rPr lang="en-GB" b="1" dirty="0"/>
               <a:t> = </a:t>
             </a:r>
             <a:r>
-              <a:rPr lang="en-GB" b="1" dirty="0" err="1" smtClean="0"/>
+              <a:rPr lang="en-GB" b="1" dirty="0" err="1"/>
               <a:t>Frac</a:t>
             </a:r>
             <a:r>
-              <a:rPr lang="en-GB" b="1" baseline="-25000" dirty="0" err="1" smtClean="0"/>
+              <a:rPr lang="en-GB" b="1" baseline="-25000" dirty="0" err="1"/>
               <a:t>Impn</a:t>
             </a:r>
             <a:r>
-              <a:rPr lang="en-GB" b="1" dirty="0" smtClean="0"/>
+              <a:rPr lang="en-GB" b="1" dirty="0"/>
               <a:t>(1-PropRes</a:t>
             </a:r>
             <a:r>
-              <a:rPr lang="en-GB" b="1" baseline="-25000" dirty="0" smtClean="0"/>
+              <a:rPr lang="en-GB" b="1" baseline="-25000" dirty="0"/>
               <a:t>Impn</a:t>
             </a:r>
             <a:r>
-              <a:rPr lang="en-GB" b="1" dirty="0" smtClean="0"/>
+              <a:rPr lang="en-GB" b="1" dirty="0"/>
               <a:t>)</a:t>
             </a:r>
             <a:r>
-              <a:rPr lang="en-GB" b="1" dirty="0" err="1" smtClean="0"/>
+              <a:rPr lang="en-GB" b="1" dirty="0" err="1"/>
               <a:t>Share</a:t>
             </a:r>
             <a:r>
@@ -9279,18 +9264,13 @@
           <a:p>
             <a:pPr algn="ctr"/>
             <a:r>
-              <a:rPr lang="en-GB" b="1" dirty="0" smtClean="0"/>
+              <a:rPr lang="en-GB" b="1" dirty="0"/>
               <a:t>IMP</a:t>
             </a:r>
             <a:r>
-              <a:rPr lang="en-GB" b="1" baseline="-25000" dirty="0" smtClean="0"/>
-              <a:t>IR</a:t>
-            </a:r>
-            <a:r>
-              <a:rPr lang="en-GB" b="1" baseline="-25000" dirty="0" smtClean="0"/>
-              <a:t>A1</a:t>
-            </a:r>
-            <a:endParaRPr lang="en-GB" b="1" baseline="-25000" dirty="0"/>
+              <a:rPr lang="en-GB" b="1" baseline="-25000" dirty="0"/>
+              <a:t>IRA1</a:t>
+            </a:r>
           </a:p>
         </p:txBody>
       </p:sp>
@@ -9338,16 +9318,12 @@
           <a:p>
             <a:pPr algn="ctr"/>
             <a:r>
-              <a:rPr lang="en-GB" b="1" dirty="0" err="1" smtClean="0"/>
+              <a:rPr lang="en-GB" b="1" dirty="0" err="1"/>
               <a:t>IMP</a:t>
             </a:r>
             <a:r>
-              <a:rPr lang="en-GB" b="1" baseline="-25000" dirty="0" err="1" smtClean="0"/>
-              <a:t>IR</a:t>
-            </a:r>
-            <a:r>
-              <a:rPr lang="en-GB" b="1" baseline="-25000" dirty="0" err="1" smtClean="0"/>
-              <a:t>An</a:t>
+              <a:rPr lang="en-GB" b="1" baseline="-25000" dirty="0" err="1"/>
+              <a:t>IRAn</a:t>
             </a:r>
             <a:endParaRPr lang="en-GB" b="1" baseline="-25000" dirty="0"/>
           </a:p>
@@ -9397,18 +9373,13 @@
           <a:p>
             <a:pPr algn="ctr"/>
             <a:r>
-              <a:rPr lang="en-GB" b="1" dirty="0" smtClean="0"/>
+              <a:rPr lang="en-GB" b="1" dirty="0"/>
               <a:t>IMP</a:t>
             </a:r>
             <a:r>
-              <a:rPr lang="en-GB" b="1" baseline="-25000" dirty="0" smtClean="0"/>
-              <a:t>IR</a:t>
-            </a:r>
-            <a:r>
-              <a:rPr lang="en-GB" b="1" baseline="-25000" dirty="0" smtClean="0"/>
-              <a:t>A…</a:t>
-            </a:r>
-            <a:endParaRPr lang="en-GB" b="1" baseline="-25000" dirty="0"/>
+              <a:rPr lang="en-GB" b="1" baseline="-25000" dirty="0"/>
+              <a:t>IRA…</a:t>
+            </a:r>
           </a:p>
         </p:txBody>
       </p:sp>
@@ -9559,25 +9530,25 @@
           <a:p>
             <a:pPr algn="ctr"/>
             <a:r>
-              <a:rPr lang="en-GB" b="1" dirty="0" smtClean="0"/>
+              <a:rPr lang="en-GB" b="1" dirty="0"/>
               <a:t>Overall </a:t>
             </a:r>
           </a:p>
           <a:p>
             <a:pPr algn="ctr"/>
             <a:r>
-              <a:rPr lang="en-GB" b="1" dirty="0" smtClean="0"/>
+              <a:rPr lang="en-GB" b="1" dirty="0"/>
               <a:t>Imported </a:t>
             </a:r>
           </a:p>
           <a:p>
             <a:pPr algn="ctr"/>
             <a:r>
-              <a:rPr lang="en-GB" b="1" dirty="0" smtClean="0"/>
+              <a:rPr lang="en-GB" b="1" dirty="0"/>
               <a:t>I</a:t>
             </a:r>
             <a:r>
-              <a:rPr lang="en-GB" b="1" baseline="-25000" dirty="0" smtClean="0"/>
+              <a:rPr lang="en-GB" b="1" baseline="-25000" dirty="0"/>
               <a:t>SA</a:t>
             </a:r>
           </a:p>
@@ -9627,25 +9598,25 @@
           <a:p>
             <a:pPr algn="ctr"/>
             <a:r>
-              <a:rPr lang="en-GB" b="1" dirty="0" smtClean="0"/>
+              <a:rPr lang="en-GB" b="1" dirty="0"/>
               <a:t>Overall</a:t>
             </a:r>
           </a:p>
           <a:p>
             <a:pPr algn="ctr"/>
             <a:r>
-              <a:rPr lang="en-GB" b="1" dirty="0" smtClean="0"/>
+              <a:rPr lang="en-GB" b="1" dirty="0"/>
               <a:t>Imported </a:t>
             </a:r>
           </a:p>
           <a:p>
             <a:pPr algn="ctr"/>
             <a:r>
-              <a:rPr lang="en-GB" b="1" dirty="0" smtClean="0"/>
+              <a:rPr lang="en-GB" b="1" dirty="0"/>
               <a:t>I</a:t>
             </a:r>
             <a:r>
-              <a:rPr lang="en-GB" b="1" baseline="-25000" dirty="0" smtClean="0"/>
+              <a:rPr lang="en-GB" b="1" baseline="-25000" dirty="0"/>
               <a:t>RA</a:t>
             </a:r>
           </a:p>
@@ -9674,35 +9645,35 @@
           <a:lstStyle/>
           <a:p>
             <a:r>
-              <a:rPr lang="en-GB" b="1" dirty="0" err="1" smtClean="0"/>
+              <a:rPr lang="en-GB" b="1" dirty="0" err="1"/>
               <a:t>IMP</a:t>
             </a:r>
             <a:r>
-              <a:rPr lang="en-GB" b="1" baseline="-25000" dirty="0" err="1" smtClean="0"/>
+              <a:rPr lang="en-GB" b="1" baseline="-25000" dirty="0" err="1"/>
               <a:t>IRAn</a:t>
             </a:r>
             <a:r>
-              <a:rPr lang="en-GB" b="1" dirty="0" smtClean="0"/>
+              <a:rPr lang="en-GB" b="1" dirty="0"/>
               <a:t> = </a:t>
             </a:r>
             <a:r>
-              <a:rPr lang="en-GB" b="1" dirty="0" err="1" smtClean="0"/>
+              <a:rPr lang="en-GB" b="1" dirty="0" err="1"/>
               <a:t>Frac</a:t>
             </a:r>
             <a:r>
-              <a:rPr lang="en-GB" b="1" baseline="-25000" dirty="0" err="1" smtClean="0"/>
+              <a:rPr lang="en-GB" b="1" baseline="-25000" dirty="0" err="1"/>
               <a:t>Impn</a:t>
             </a:r>
             <a:r>
-              <a:rPr lang="en-GB" b="1" dirty="0" err="1" smtClean="0"/>
+              <a:rPr lang="en-GB" b="1" dirty="0" err="1"/>
               <a:t>PropRes</a:t>
             </a:r>
             <a:r>
-              <a:rPr lang="en-GB" b="1" baseline="-25000" dirty="0" err="1" smtClean="0"/>
+              <a:rPr lang="en-GB" b="1" baseline="-25000" dirty="0" err="1"/>
               <a:t>Impn</a:t>
             </a:r>
             <a:r>
-              <a:rPr lang="en-GB" b="1" dirty="0" err="1" smtClean="0"/>
+              <a:rPr lang="en-GB" b="1" dirty="0" err="1"/>
               <a:t>Share</a:t>
             </a:r>
             <a:r>
@@ -9923,16 +9894,15 @@
           <a:lstStyle/>
           <a:p>
             <a:r>
-              <a:rPr lang="en-GB" b="1" dirty="0" smtClean="0"/>
-              <a:t>Importing</a:t>
-            </a:r>
-          </a:p>
-          <a:p>
-            <a:r>
-              <a:rPr lang="en-GB" b="1" dirty="0" smtClean="0"/>
+              <a:rPr lang="en-GB" b="1" dirty="0"/>
+              <a:t>Exporting</a:t>
+            </a:r>
+          </a:p>
+          <a:p>
+            <a:r>
+              <a:rPr lang="en-GB" b="1" dirty="0"/>
               <a:t>Countries</a:t>
             </a:r>
-            <a:endParaRPr lang="en-GB" b="1" dirty="0"/>
           </a:p>
         </p:txBody>
       </p:sp>
@@ -9965,16 +9935,15 @@
           <a:lstStyle/>
           <a:p>
             <a:r>
-              <a:rPr lang="en-GB" b="1" dirty="0" smtClean="0"/>
-              <a:t>Importing</a:t>
-            </a:r>
-          </a:p>
-          <a:p>
-            <a:r>
-              <a:rPr lang="en-GB" b="1" dirty="0" smtClean="0"/>
+              <a:rPr lang="en-GB" b="1" dirty="0"/>
+              <a:t>Exporting</a:t>
+            </a:r>
+          </a:p>
+          <a:p>
+            <a:r>
+              <a:rPr lang="en-GB" b="1" dirty="0"/>
               <a:t>Countries</a:t>
             </a:r>
-            <a:endParaRPr lang="en-GB" b="1" dirty="0"/>
           </a:p>
         </p:txBody>
       </p:sp>
@@ -10213,7 +10182,7 @@
           <a:lstStyle/>
           <a:p>
             <a:r>
-              <a:rPr lang="en-GB" sz="1600" b="1" dirty="0" smtClean="0"/>
+              <a:rPr lang="en-GB" sz="1600" b="1" dirty="0"/>
               <a:t>Human Population</a:t>
             </a:r>
             <a:endParaRPr lang="en-GB" sz="1600" b="1" baseline="-25000" dirty="0"/>
@@ -10249,7 +10218,7 @@
           <a:lstStyle/>
           <a:p>
             <a:r>
-              <a:rPr lang="en-GB" sz="1600" b="1" dirty="0" smtClean="0"/>
+              <a:rPr lang="en-GB" sz="1600" b="1" dirty="0"/>
               <a:t>Domestic Livestock</a:t>
             </a:r>
             <a:endParaRPr lang="en-GB" sz="1600" b="1" baseline="-25000" dirty="0"/>
@@ -10285,7 +10254,7 @@
           <a:lstStyle/>
           <a:p>
             <a:r>
-              <a:rPr lang="en-GB" sz="1600" b="1" dirty="0" smtClean="0"/>
+              <a:rPr lang="en-GB" sz="1600" b="1" dirty="0"/>
               <a:t>Imported Food Products</a:t>
             </a:r>
             <a:endParaRPr lang="en-GB" sz="1600" b="1" baseline="-25000" dirty="0"/>
@@ -10321,7 +10290,7 @@
           <a:lstStyle/>
           <a:p>
             <a:r>
-              <a:rPr lang="en-GB" sz="1600" b="1" dirty="0" smtClean="0"/>
+              <a:rPr lang="en-GB" sz="1600" b="1" dirty="0"/>
               <a:t>Non-transmission dynamics</a:t>
             </a:r>
             <a:endParaRPr lang="en-GB" sz="1600" b="1" baseline="-25000" dirty="0"/>
@@ -10357,7 +10326,7 @@
           <a:lstStyle/>
           <a:p>
             <a:r>
-              <a:rPr lang="en-GB" sz="1600" b="1" dirty="0" smtClean="0"/>
+              <a:rPr lang="en-GB" sz="1600" b="1" dirty="0"/>
               <a:t>Transmission</a:t>
             </a:r>
             <a:endParaRPr lang="en-GB" sz="1600" b="1" baseline="-25000" dirty="0"/>
